--- a/HW2/drawings.pptx
+++ b/HW2/drawings.pptx
@@ -6,6 +6,7 @@
   </p:sldMasterIdLst>
   <p:sldIdLst>
     <p:sldId id="256" r:id="rId2"/>
+    <p:sldId id="257" r:id="rId3"/>
   </p:sldIdLst>
   <p:sldSz cx="12192000" cy="6858000"/>
   <p:notesSz cx="6858000" cy="9144000"/>
@@ -4578,10 +4579,5080 @@
           </a:p>
         </p:txBody>
       </p:sp>
+      <p:sp>
+        <p:nvSpPr>
+          <p:cNvPr id="57" name="Oval 56"/>
+          <p:cNvSpPr/>
+          <p:nvPr/>
+        </p:nvSpPr>
+        <p:spPr>
+          <a:xfrm>
+            <a:off x="8765060" y="3078059"/>
+            <a:ext cx="411892" cy="411892"/>
+          </a:xfrm>
+          <a:prstGeom prst="ellipse">
+            <a:avLst/>
+          </a:prstGeom>
+        </p:spPr>
+        <p:style>
+          <a:lnRef idx="2">
+            <a:schemeClr val="accent1">
+              <a:shade val="50000"/>
+            </a:schemeClr>
+          </a:lnRef>
+          <a:fillRef idx="1">
+            <a:schemeClr val="accent1"/>
+          </a:fillRef>
+          <a:effectRef idx="0">
+            <a:schemeClr val="accent1"/>
+          </a:effectRef>
+          <a:fontRef idx="minor">
+            <a:schemeClr val="lt1"/>
+          </a:fontRef>
+        </p:style>
+        <p:txBody>
+          <a:bodyPr rtlCol="1" anchor="ctr"/>
+          <a:lstStyle/>
+          <a:p>
+            <a:pPr algn="ctr"/>
+            <a:endParaRPr lang="he-IL"/>
+          </a:p>
+        </p:txBody>
+      </p:sp>
     </p:spTree>
     <p:extLst>
       <p:ext uri="{BB962C8B-B14F-4D97-AF65-F5344CB8AC3E}">
         <p14:creationId xmlns:p14="http://schemas.microsoft.com/office/powerpoint/2010/main" val="1748472535"/>
+      </p:ext>
+    </p:extLst>
+  </p:cSld>
+  <p:clrMapOvr>
+    <a:masterClrMapping/>
+  </p:clrMapOvr>
+</p:sld>
+</file>
+
+<file path=ppt/slides/slide2.xml><?xml version="1.0" encoding="utf-8"?>
+<p:sld xmlns:a="http://schemas.openxmlformats.org/drawingml/2006/main" xmlns:r="http://schemas.openxmlformats.org/officeDocument/2006/relationships" xmlns:p="http://schemas.openxmlformats.org/presentationml/2006/main">
+  <p:cSld>
+    <p:spTree>
+      <p:nvGrpSpPr>
+        <p:cNvPr id="1" name=""/>
+        <p:cNvGrpSpPr/>
+        <p:nvPr/>
+      </p:nvGrpSpPr>
+      <p:grpSpPr>
+        <a:xfrm>
+          <a:off x="0" y="0"/>
+          <a:ext cx="0" cy="0"/>
+          <a:chOff x="0" y="0"/>
+          <a:chExt cx="0" cy="0"/>
+        </a:xfrm>
+      </p:grpSpPr>
+      <p:cxnSp>
+        <p:nvCxnSpPr>
+          <p:cNvPr id="4" name="Straight Connector 3"/>
+          <p:cNvCxnSpPr>
+            <a:stCxn id="41" idx="2"/>
+            <a:endCxn id="45" idx="0"/>
+          </p:cNvCxnSpPr>
+          <p:nvPr/>
+        </p:nvCxnSpPr>
+        <p:spPr>
+          <a:xfrm flipH="1">
+            <a:off x="2546820" y="590119"/>
+            <a:ext cx="2859709" cy="1878022"/>
+          </a:xfrm>
+          <a:prstGeom prst="line">
+            <a:avLst/>
+          </a:prstGeom>
+          <a:ln w="28575">
+            <a:solidFill>
+              <a:srgbClr val="FFC000"/>
+            </a:solidFill>
+          </a:ln>
+        </p:spPr>
+        <p:style>
+          <a:lnRef idx="1">
+            <a:schemeClr val="accent1"/>
+          </a:lnRef>
+          <a:fillRef idx="0">
+            <a:schemeClr val="accent1"/>
+          </a:fillRef>
+          <a:effectRef idx="0">
+            <a:schemeClr val="accent1"/>
+          </a:effectRef>
+          <a:fontRef idx="minor">
+            <a:schemeClr val="tx1"/>
+          </a:fontRef>
+        </p:style>
+      </p:cxnSp>
+      <p:cxnSp>
+        <p:nvCxnSpPr>
+          <p:cNvPr id="5" name="Straight Connector 4"/>
+          <p:cNvCxnSpPr>
+            <a:stCxn id="41" idx="3"/>
+            <a:endCxn id="44" idx="0"/>
+          </p:cNvCxnSpPr>
+          <p:nvPr/>
+        </p:nvCxnSpPr>
+        <p:spPr>
+          <a:xfrm flipH="1">
+            <a:off x="4717312" y="735745"/>
+            <a:ext cx="749537" cy="1760227"/>
+          </a:xfrm>
+          <a:prstGeom prst="line">
+            <a:avLst/>
+          </a:prstGeom>
+          <a:ln w="28575">
+            <a:solidFill>
+              <a:srgbClr val="FFC000"/>
+            </a:solidFill>
+          </a:ln>
+        </p:spPr>
+        <p:style>
+          <a:lnRef idx="1">
+            <a:schemeClr val="accent1"/>
+          </a:lnRef>
+          <a:fillRef idx="0">
+            <a:schemeClr val="accent1"/>
+          </a:fillRef>
+          <a:effectRef idx="0">
+            <a:schemeClr val="accent1"/>
+          </a:effectRef>
+          <a:fontRef idx="minor">
+            <a:schemeClr val="tx1"/>
+          </a:fontRef>
+        </p:style>
+      </p:cxnSp>
+      <p:cxnSp>
+        <p:nvCxnSpPr>
+          <p:cNvPr id="6" name="Straight Connector 5"/>
+          <p:cNvCxnSpPr>
+            <a:stCxn id="41" idx="5"/>
+            <a:endCxn id="43" idx="0"/>
+          </p:cNvCxnSpPr>
+          <p:nvPr/>
+        </p:nvCxnSpPr>
+        <p:spPr>
+          <a:xfrm>
+            <a:off x="5758101" y="735745"/>
+            <a:ext cx="1074303" cy="1727128"/>
+          </a:xfrm>
+          <a:prstGeom prst="line">
+            <a:avLst/>
+          </a:prstGeom>
+          <a:ln w="28575">
+            <a:solidFill>
+              <a:srgbClr val="FFC000"/>
+            </a:solidFill>
+          </a:ln>
+        </p:spPr>
+        <p:style>
+          <a:lnRef idx="1">
+            <a:schemeClr val="accent1"/>
+          </a:lnRef>
+          <a:fillRef idx="0">
+            <a:schemeClr val="accent1"/>
+          </a:fillRef>
+          <a:effectRef idx="0">
+            <a:schemeClr val="accent1"/>
+          </a:effectRef>
+          <a:fontRef idx="minor">
+            <a:schemeClr val="tx1"/>
+          </a:fontRef>
+        </p:style>
+      </p:cxnSp>
+      <p:sp>
+        <p:nvSpPr>
+          <p:cNvPr id="15" name="Oval 14"/>
+          <p:cNvSpPr/>
+          <p:nvPr/>
+        </p:nvSpPr>
+        <p:spPr>
+          <a:xfrm>
+            <a:off x="3280376" y="2614114"/>
+            <a:ext cx="134224" cy="134224"/>
+          </a:xfrm>
+          <a:prstGeom prst="ellipse">
+            <a:avLst/>
+          </a:prstGeom>
+          <a:solidFill>
+            <a:schemeClr val="tx1"/>
+          </a:solidFill>
+          <a:ln>
+            <a:solidFill>
+              <a:schemeClr val="tx1"/>
+            </a:solidFill>
+          </a:ln>
+        </p:spPr>
+        <p:style>
+          <a:lnRef idx="2">
+            <a:schemeClr val="accent1">
+              <a:shade val="50000"/>
+            </a:schemeClr>
+          </a:lnRef>
+          <a:fillRef idx="1">
+            <a:schemeClr val="accent1"/>
+          </a:fillRef>
+          <a:effectRef idx="0">
+            <a:schemeClr val="accent1"/>
+          </a:effectRef>
+          <a:fontRef idx="minor">
+            <a:schemeClr val="lt1"/>
+          </a:fontRef>
+        </p:style>
+        <p:txBody>
+          <a:bodyPr rtlCol="1" anchor="ctr"/>
+          <a:lstStyle/>
+          <a:p>
+            <a:pPr algn="ctr"/>
+            <a:endParaRPr lang="he-IL"/>
+          </a:p>
+        </p:txBody>
+      </p:sp>
+      <p:sp>
+        <p:nvSpPr>
+          <p:cNvPr id="16" name="Oval 15"/>
+          <p:cNvSpPr/>
+          <p:nvPr/>
+        </p:nvSpPr>
+        <p:spPr>
+          <a:xfrm>
+            <a:off x="3560224" y="2611242"/>
+            <a:ext cx="134224" cy="134224"/>
+          </a:xfrm>
+          <a:prstGeom prst="ellipse">
+            <a:avLst/>
+          </a:prstGeom>
+          <a:solidFill>
+            <a:schemeClr val="tx1"/>
+          </a:solidFill>
+          <a:ln>
+            <a:solidFill>
+              <a:schemeClr val="tx1"/>
+            </a:solidFill>
+          </a:ln>
+        </p:spPr>
+        <p:style>
+          <a:lnRef idx="2">
+            <a:schemeClr val="accent1">
+              <a:shade val="50000"/>
+            </a:schemeClr>
+          </a:lnRef>
+          <a:fillRef idx="1">
+            <a:schemeClr val="accent1"/>
+          </a:fillRef>
+          <a:effectRef idx="0">
+            <a:schemeClr val="accent1"/>
+          </a:effectRef>
+          <a:fontRef idx="minor">
+            <a:schemeClr val="lt1"/>
+          </a:fontRef>
+        </p:style>
+        <p:txBody>
+          <a:bodyPr rtlCol="1" anchor="ctr"/>
+          <a:lstStyle/>
+          <a:p>
+            <a:pPr algn="ctr"/>
+            <a:endParaRPr lang="he-IL"/>
+          </a:p>
+        </p:txBody>
+      </p:sp>
+      <p:sp>
+        <p:nvSpPr>
+          <p:cNvPr id="17" name="Oval 16"/>
+          <p:cNvSpPr/>
+          <p:nvPr/>
+        </p:nvSpPr>
+        <p:spPr>
+          <a:xfrm>
+            <a:off x="3833550" y="2615437"/>
+            <a:ext cx="134224" cy="134224"/>
+          </a:xfrm>
+          <a:prstGeom prst="ellipse">
+            <a:avLst/>
+          </a:prstGeom>
+          <a:solidFill>
+            <a:schemeClr val="tx1"/>
+          </a:solidFill>
+          <a:ln>
+            <a:solidFill>
+              <a:schemeClr val="tx1"/>
+            </a:solidFill>
+          </a:ln>
+        </p:spPr>
+        <p:style>
+          <a:lnRef idx="2">
+            <a:schemeClr val="accent1">
+              <a:shade val="50000"/>
+            </a:schemeClr>
+          </a:lnRef>
+          <a:fillRef idx="1">
+            <a:schemeClr val="accent1"/>
+          </a:fillRef>
+          <a:effectRef idx="0">
+            <a:schemeClr val="accent1"/>
+          </a:effectRef>
+          <a:fontRef idx="minor">
+            <a:schemeClr val="lt1"/>
+          </a:fontRef>
+        </p:style>
+        <p:txBody>
+          <a:bodyPr rtlCol="1" anchor="ctr"/>
+          <a:lstStyle/>
+          <a:p>
+            <a:pPr algn="ctr"/>
+            <a:endParaRPr lang="he-IL"/>
+          </a:p>
+        </p:txBody>
+      </p:sp>
+      <p:sp>
+        <p:nvSpPr>
+          <p:cNvPr id="33" name="Isosceles Triangle 32"/>
+          <p:cNvSpPr/>
+          <p:nvPr/>
+        </p:nvSpPr>
+        <p:spPr>
+          <a:xfrm rot="10800000">
+            <a:off x="7883851" y="4341506"/>
+            <a:ext cx="573353" cy="494270"/>
+          </a:xfrm>
+          <a:prstGeom prst="triangle">
+            <a:avLst/>
+          </a:prstGeom>
+        </p:spPr>
+        <p:style>
+          <a:lnRef idx="2">
+            <a:schemeClr val="accent1">
+              <a:shade val="50000"/>
+            </a:schemeClr>
+          </a:lnRef>
+          <a:fillRef idx="1">
+            <a:schemeClr val="accent1"/>
+          </a:fillRef>
+          <a:effectRef idx="0">
+            <a:schemeClr val="accent1"/>
+          </a:effectRef>
+          <a:fontRef idx="minor">
+            <a:schemeClr val="lt1"/>
+          </a:fontRef>
+        </p:style>
+        <p:txBody>
+          <a:bodyPr rtlCol="1" anchor="ctr"/>
+          <a:lstStyle/>
+          <a:p>
+            <a:pPr algn="ctr"/>
+            <a:endParaRPr lang="he-IL"/>
+          </a:p>
+        </p:txBody>
+      </p:sp>
+      <p:sp>
+        <p:nvSpPr>
+          <p:cNvPr id="41" name="Oval 40"/>
+          <p:cNvSpPr/>
+          <p:nvPr/>
+        </p:nvSpPr>
+        <p:spPr>
+          <a:xfrm>
+            <a:off x="5406529" y="384173"/>
+            <a:ext cx="411892" cy="411892"/>
+          </a:xfrm>
+          <a:prstGeom prst="ellipse">
+            <a:avLst/>
+          </a:prstGeom>
+        </p:spPr>
+        <p:style>
+          <a:lnRef idx="2">
+            <a:schemeClr val="accent1">
+              <a:shade val="50000"/>
+            </a:schemeClr>
+          </a:lnRef>
+          <a:fillRef idx="1">
+            <a:schemeClr val="accent1"/>
+          </a:fillRef>
+          <a:effectRef idx="0">
+            <a:schemeClr val="accent1"/>
+          </a:effectRef>
+          <a:fontRef idx="minor">
+            <a:schemeClr val="lt1"/>
+          </a:fontRef>
+        </p:style>
+        <p:txBody>
+          <a:bodyPr rtlCol="1" anchor="ctr"/>
+          <a:lstStyle/>
+          <a:p>
+            <a:pPr algn="ctr"/>
+            <a:endParaRPr lang="he-IL"/>
+          </a:p>
+        </p:txBody>
+      </p:sp>
+      <p:sp>
+        <p:nvSpPr>
+          <p:cNvPr id="43" name="Rectangle 42"/>
+          <p:cNvSpPr/>
+          <p:nvPr/>
+        </p:nvSpPr>
+        <p:spPr>
+          <a:xfrm>
+            <a:off x="6622339" y="2462873"/>
+            <a:ext cx="420129" cy="420130"/>
+          </a:xfrm>
+          <a:prstGeom prst="rect">
+            <a:avLst/>
+          </a:prstGeom>
+        </p:spPr>
+        <p:style>
+          <a:lnRef idx="2">
+            <a:schemeClr val="accent1">
+              <a:shade val="50000"/>
+            </a:schemeClr>
+          </a:lnRef>
+          <a:fillRef idx="1">
+            <a:schemeClr val="accent1"/>
+          </a:fillRef>
+          <a:effectRef idx="0">
+            <a:schemeClr val="accent1"/>
+          </a:effectRef>
+          <a:fontRef idx="minor">
+            <a:schemeClr val="lt1"/>
+          </a:fontRef>
+        </p:style>
+        <p:txBody>
+          <a:bodyPr rtlCol="1" anchor="ctr"/>
+          <a:lstStyle/>
+          <a:p>
+            <a:pPr algn="ctr"/>
+            <a:endParaRPr lang="he-IL"/>
+          </a:p>
+        </p:txBody>
+      </p:sp>
+      <p:sp>
+        <p:nvSpPr>
+          <p:cNvPr id="44" name="Rectangle 43"/>
+          <p:cNvSpPr/>
+          <p:nvPr/>
+        </p:nvSpPr>
+        <p:spPr>
+          <a:xfrm>
+            <a:off x="4507247" y="2495972"/>
+            <a:ext cx="420129" cy="420130"/>
+          </a:xfrm>
+          <a:prstGeom prst="rect">
+            <a:avLst/>
+          </a:prstGeom>
+        </p:spPr>
+        <p:style>
+          <a:lnRef idx="2">
+            <a:schemeClr val="accent1">
+              <a:shade val="50000"/>
+            </a:schemeClr>
+          </a:lnRef>
+          <a:fillRef idx="1">
+            <a:schemeClr val="accent1"/>
+          </a:fillRef>
+          <a:effectRef idx="0">
+            <a:schemeClr val="accent1"/>
+          </a:effectRef>
+          <a:fontRef idx="minor">
+            <a:schemeClr val="lt1"/>
+          </a:fontRef>
+        </p:style>
+        <p:txBody>
+          <a:bodyPr rtlCol="1" anchor="ctr"/>
+          <a:lstStyle/>
+          <a:p>
+            <a:pPr algn="ctr"/>
+            <a:endParaRPr lang="he-IL"/>
+          </a:p>
+        </p:txBody>
+      </p:sp>
+      <p:sp>
+        <p:nvSpPr>
+          <p:cNvPr id="45" name="Rectangle 44"/>
+          <p:cNvSpPr/>
+          <p:nvPr/>
+        </p:nvSpPr>
+        <p:spPr>
+          <a:xfrm>
+            <a:off x="2336755" y="2468141"/>
+            <a:ext cx="420129" cy="420130"/>
+          </a:xfrm>
+          <a:prstGeom prst="rect">
+            <a:avLst/>
+          </a:prstGeom>
+        </p:spPr>
+        <p:style>
+          <a:lnRef idx="2">
+            <a:schemeClr val="accent1">
+              <a:shade val="50000"/>
+            </a:schemeClr>
+          </a:lnRef>
+          <a:fillRef idx="1">
+            <a:schemeClr val="accent1"/>
+          </a:fillRef>
+          <a:effectRef idx="0">
+            <a:schemeClr val="accent1"/>
+          </a:effectRef>
+          <a:fontRef idx="minor">
+            <a:schemeClr val="lt1"/>
+          </a:fontRef>
+        </p:style>
+        <p:txBody>
+          <a:bodyPr rtlCol="1" anchor="ctr"/>
+          <a:lstStyle/>
+          <a:p>
+            <a:pPr algn="ctr"/>
+            <a:endParaRPr lang="he-IL"/>
+          </a:p>
+        </p:txBody>
+      </p:sp>
+      <p:cxnSp>
+        <p:nvCxnSpPr>
+          <p:cNvPr id="48" name="Straight Connector 47"/>
+          <p:cNvCxnSpPr>
+            <a:stCxn id="43" idx="2"/>
+            <a:endCxn id="50" idx="7"/>
+          </p:cNvCxnSpPr>
+          <p:nvPr/>
+        </p:nvCxnSpPr>
+        <p:spPr>
+          <a:xfrm flipH="1">
+            <a:off x="5356544" y="2883003"/>
+            <a:ext cx="1475860" cy="2843718"/>
+          </a:xfrm>
+          <a:prstGeom prst="line">
+            <a:avLst/>
+          </a:prstGeom>
+          <a:ln w="28575">
+            <a:solidFill>
+              <a:srgbClr val="FFC000"/>
+            </a:solidFill>
+          </a:ln>
+        </p:spPr>
+        <p:style>
+          <a:lnRef idx="1">
+            <a:schemeClr val="accent1"/>
+          </a:lnRef>
+          <a:fillRef idx="0">
+            <a:schemeClr val="accent1"/>
+          </a:fillRef>
+          <a:effectRef idx="0">
+            <a:schemeClr val="accent1"/>
+          </a:effectRef>
+          <a:fontRef idx="minor">
+            <a:schemeClr val="tx1"/>
+          </a:fontRef>
+        </p:style>
+      </p:cxnSp>
+      <p:sp>
+        <p:nvSpPr>
+          <p:cNvPr id="50" name="Oval 49"/>
+          <p:cNvSpPr/>
+          <p:nvPr/>
+        </p:nvSpPr>
+        <p:spPr>
+          <a:xfrm>
+            <a:off x="5004972" y="5666401"/>
+            <a:ext cx="411892" cy="411892"/>
+          </a:xfrm>
+          <a:prstGeom prst="ellipse">
+            <a:avLst/>
+          </a:prstGeom>
+        </p:spPr>
+        <p:style>
+          <a:lnRef idx="2">
+            <a:schemeClr val="accent1">
+              <a:shade val="50000"/>
+            </a:schemeClr>
+          </a:lnRef>
+          <a:fillRef idx="1">
+            <a:schemeClr val="accent1"/>
+          </a:fillRef>
+          <a:effectRef idx="0">
+            <a:schemeClr val="accent1"/>
+          </a:effectRef>
+          <a:fontRef idx="minor">
+            <a:schemeClr val="lt1"/>
+          </a:fontRef>
+        </p:style>
+        <p:txBody>
+          <a:bodyPr rtlCol="1" anchor="ctr"/>
+          <a:lstStyle/>
+          <a:p>
+            <a:pPr algn="ctr"/>
+            <a:endParaRPr lang="he-IL"/>
+          </a:p>
+        </p:txBody>
+      </p:sp>
+      <p:sp>
+        <p:nvSpPr>
+          <p:cNvPr id="51" name="TextBox 50"/>
+          <p:cNvSpPr txBox="1"/>
+          <p:nvPr/>
+        </p:nvSpPr>
+        <p:spPr>
+          <a:xfrm rot="826105">
+            <a:off x="6092966" y="722296"/>
+            <a:ext cx="2016899" cy="230832"/>
+          </a:xfrm>
+          <a:prstGeom prst="rect">
+            <a:avLst/>
+          </a:prstGeom>
+          <a:noFill/>
+        </p:spPr>
+        <p:txBody>
+          <a:bodyPr wrap="none" rtlCol="1">
+            <a:spAutoFit/>
+          </a:bodyPr>
+          <a:lstStyle/>
+          <a:p>
+            <a:r>
+              <a:rPr lang="he-IL" sz="900" dirty="0" smtClean="0">
+                <a:solidFill>
+                  <a:schemeClr val="accent6"/>
+                </a:solidFill>
+              </a:rPr>
+              <a:t>שחרר ארנב, לך למשבצת </a:t>
+            </a:r>
+            <a:r>
+              <a:rPr lang="en-US" sz="900" dirty="0" smtClean="0">
+                <a:solidFill>
+                  <a:schemeClr val="accent6"/>
+                </a:solidFill>
+              </a:rPr>
+              <a:t>x</a:t>
+            </a:r>
+            <a:r>
+              <a:rPr lang="he-IL" sz="900" dirty="0" smtClean="0">
+                <a:solidFill>
+                  <a:schemeClr val="accent6"/>
+                </a:solidFill>
+              </a:rPr>
+              <a:t> ותירה חץ ל-</a:t>
+            </a:r>
+            <a:r>
+              <a:rPr lang="en-US" sz="900" dirty="0" smtClean="0">
+                <a:solidFill>
+                  <a:schemeClr val="accent6"/>
+                </a:solidFill>
+              </a:rPr>
+              <a:t>y</a:t>
+            </a:r>
+            <a:endParaRPr lang="he-IL" sz="900" dirty="0">
+              <a:solidFill>
+                <a:schemeClr val="accent6"/>
+              </a:solidFill>
+            </a:endParaRPr>
+          </a:p>
+        </p:txBody>
+      </p:sp>
+      <p:sp>
+        <p:nvSpPr>
+          <p:cNvPr id="52" name="TextBox 51"/>
+          <p:cNvSpPr txBox="1"/>
+          <p:nvPr/>
+        </p:nvSpPr>
+        <p:spPr>
+          <a:xfrm>
+            <a:off x="4544657" y="323853"/>
+            <a:ext cx="705642" cy="400110"/>
+          </a:xfrm>
+          <a:prstGeom prst="rect">
+            <a:avLst/>
+          </a:prstGeom>
+          <a:noFill/>
+        </p:spPr>
+        <p:txBody>
+          <a:bodyPr wrap="none" rtlCol="1">
+            <a:spAutoFit/>
+          </a:bodyPr>
+          <a:lstStyle/>
+          <a:p>
+            <a:r>
+              <a:rPr lang="en-US" sz="2000" b="1" dirty="0" smtClean="0"/>
+              <a:t>MAX</a:t>
+            </a:r>
+            <a:endParaRPr lang="he-IL" sz="2000" b="1" dirty="0"/>
+          </a:p>
+        </p:txBody>
+      </p:sp>
+      <p:cxnSp>
+        <p:nvCxnSpPr>
+          <p:cNvPr id="57" name="Straight Connector 56"/>
+          <p:cNvCxnSpPr>
+            <a:stCxn id="43" idx="2"/>
+            <a:endCxn id="33" idx="3"/>
+          </p:cNvCxnSpPr>
+          <p:nvPr/>
+        </p:nvCxnSpPr>
+        <p:spPr>
+          <a:xfrm>
+            <a:off x="6832404" y="2883003"/>
+            <a:ext cx="1338123" cy="1458503"/>
+          </a:xfrm>
+          <a:prstGeom prst="line">
+            <a:avLst/>
+          </a:prstGeom>
+          <a:ln w="28575">
+            <a:solidFill>
+              <a:srgbClr val="FFC000"/>
+            </a:solidFill>
+          </a:ln>
+        </p:spPr>
+        <p:style>
+          <a:lnRef idx="1">
+            <a:schemeClr val="accent1"/>
+          </a:lnRef>
+          <a:fillRef idx="0">
+            <a:schemeClr val="accent1"/>
+          </a:fillRef>
+          <a:effectRef idx="0">
+            <a:schemeClr val="accent1"/>
+          </a:effectRef>
+          <a:fontRef idx="minor">
+            <a:schemeClr val="tx1"/>
+          </a:fontRef>
+        </p:style>
+      </p:cxnSp>
+      <p:cxnSp>
+        <p:nvCxnSpPr>
+          <p:cNvPr id="60" name="Straight Connector 59"/>
+          <p:cNvCxnSpPr>
+            <a:stCxn id="33" idx="0"/>
+            <a:endCxn id="62" idx="0"/>
+          </p:cNvCxnSpPr>
+          <p:nvPr/>
+        </p:nvCxnSpPr>
+        <p:spPr>
+          <a:xfrm flipH="1">
+            <a:off x="7283938" y="4835776"/>
+            <a:ext cx="886589" cy="837043"/>
+          </a:xfrm>
+          <a:prstGeom prst="line">
+            <a:avLst/>
+          </a:prstGeom>
+          <a:ln w="28575">
+            <a:solidFill>
+              <a:srgbClr val="FFC000"/>
+            </a:solidFill>
+          </a:ln>
+        </p:spPr>
+        <p:style>
+          <a:lnRef idx="1">
+            <a:schemeClr val="accent1"/>
+          </a:lnRef>
+          <a:fillRef idx="0">
+            <a:schemeClr val="accent1"/>
+          </a:fillRef>
+          <a:effectRef idx="0">
+            <a:schemeClr val="accent1"/>
+          </a:effectRef>
+          <a:fontRef idx="minor">
+            <a:schemeClr val="tx1"/>
+          </a:fontRef>
+        </p:style>
+      </p:cxnSp>
+      <p:sp>
+        <p:nvSpPr>
+          <p:cNvPr id="62" name="Oval 61"/>
+          <p:cNvSpPr/>
+          <p:nvPr/>
+        </p:nvSpPr>
+        <p:spPr>
+          <a:xfrm>
+            <a:off x="7077992" y="5672819"/>
+            <a:ext cx="411892" cy="411892"/>
+          </a:xfrm>
+          <a:prstGeom prst="ellipse">
+            <a:avLst/>
+          </a:prstGeom>
+        </p:spPr>
+        <p:style>
+          <a:lnRef idx="2">
+            <a:schemeClr val="accent1">
+              <a:shade val="50000"/>
+            </a:schemeClr>
+          </a:lnRef>
+          <a:fillRef idx="1">
+            <a:schemeClr val="accent1"/>
+          </a:fillRef>
+          <a:effectRef idx="0">
+            <a:schemeClr val="accent1"/>
+          </a:effectRef>
+          <a:fontRef idx="minor">
+            <a:schemeClr val="lt1"/>
+          </a:fontRef>
+        </p:style>
+        <p:txBody>
+          <a:bodyPr rtlCol="1" anchor="ctr"/>
+          <a:lstStyle/>
+          <a:p>
+            <a:pPr algn="ctr"/>
+            <a:endParaRPr lang="he-IL"/>
+          </a:p>
+        </p:txBody>
+      </p:sp>
+      <p:cxnSp>
+        <p:nvCxnSpPr>
+          <p:cNvPr id="70" name="Straight Connector 69"/>
+          <p:cNvCxnSpPr>
+            <a:stCxn id="33" idx="0"/>
+            <a:endCxn id="72" idx="0"/>
+          </p:cNvCxnSpPr>
+          <p:nvPr/>
+        </p:nvCxnSpPr>
+        <p:spPr>
+          <a:xfrm>
+            <a:off x="8170527" y="4835776"/>
+            <a:ext cx="752218" cy="853560"/>
+          </a:xfrm>
+          <a:prstGeom prst="line">
+            <a:avLst/>
+          </a:prstGeom>
+          <a:ln w="28575">
+            <a:solidFill>
+              <a:srgbClr val="FFC000"/>
+            </a:solidFill>
+          </a:ln>
+        </p:spPr>
+        <p:style>
+          <a:lnRef idx="1">
+            <a:schemeClr val="accent1"/>
+          </a:lnRef>
+          <a:fillRef idx="0">
+            <a:schemeClr val="accent1"/>
+          </a:fillRef>
+          <a:effectRef idx="0">
+            <a:schemeClr val="accent1"/>
+          </a:effectRef>
+          <a:fontRef idx="minor">
+            <a:schemeClr val="tx1"/>
+          </a:fontRef>
+        </p:style>
+      </p:cxnSp>
+      <p:sp>
+        <p:nvSpPr>
+          <p:cNvPr id="72" name="Oval 71"/>
+          <p:cNvSpPr/>
+          <p:nvPr/>
+        </p:nvSpPr>
+        <p:spPr>
+          <a:xfrm>
+            <a:off x="8716799" y="5689336"/>
+            <a:ext cx="411892" cy="411892"/>
+          </a:xfrm>
+          <a:prstGeom prst="ellipse">
+            <a:avLst/>
+          </a:prstGeom>
+        </p:spPr>
+        <p:style>
+          <a:lnRef idx="2">
+            <a:schemeClr val="accent1">
+              <a:shade val="50000"/>
+            </a:schemeClr>
+          </a:lnRef>
+          <a:fillRef idx="1">
+            <a:schemeClr val="accent1"/>
+          </a:fillRef>
+          <a:effectRef idx="0">
+            <a:schemeClr val="accent1"/>
+          </a:effectRef>
+          <a:fontRef idx="minor">
+            <a:schemeClr val="lt1"/>
+          </a:fontRef>
+        </p:style>
+        <p:txBody>
+          <a:bodyPr rtlCol="1" anchor="ctr"/>
+          <a:lstStyle/>
+          <a:p>
+            <a:pPr algn="ctr"/>
+            <a:endParaRPr lang="he-IL"/>
+          </a:p>
+        </p:txBody>
+      </p:sp>
+      <mc:AlternateContent xmlns:mc="http://schemas.openxmlformats.org/markup-compatibility/2006">
+        <mc:Choice xmlns:a14="http://schemas.microsoft.com/office/drawing/2010/main" Requires="a14">
+          <p:sp>
+            <p:nvSpPr>
+              <p:cNvPr id="76" name="TextBox 75"/>
+              <p:cNvSpPr txBox="1"/>
+              <p:nvPr/>
+            </p:nvSpPr>
+            <p:spPr>
+              <a:xfrm>
+                <a:off x="8706922" y="5005344"/>
+                <a:ext cx="223138" cy="410369"/>
+              </a:xfrm>
+              <a:prstGeom prst="rect">
+                <a:avLst/>
+              </a:prstGeom>
+              <a:noFill/>
+            </p:spPr>
+            <p:txBody>
+              <a:bodyPr wrap="none" rtlCol="1">
+                <a:spAutoFit/>
+              </a:bodyPr>
+              <a:lstStyle/>
+              <a:p>
+                <a14:m>
+                  <m:oMathPara xmlns:m="http://schemas.openxmlformats.org/officeDocument/2006/math">
+                    <m:oMathParaPr>
+                      <m:jc m:val="centerGroup"/>
+                    </m:oMathParaPr>
+                    <m:oMath xmlns:m="http://schemas.openxmlformats.org/officeDocument/2006/math">
+                      <m:f>
+                        <m:fPr>
+                          <m:ctrlPr>
+                            <a:rPr lang="en-US" sz="1100" i="1" dirty="0" smtClean="0">
+                              <a:latin typeface="Cambria Math" panose="02040503050406030204" pitchFamily="18" charset="0"/>
+                            </a:rPr>
+                          </m:ctrlPr>
+                        </m:fPr>
+                        <m:num>
+                          <m:r>
+                            <a:rPr lang="en-US" sz="1100" i="1" dirty="0" smtClean="0">
+                              <a:latin typeface="Cambria Math" panose="02040503050406030204" pitchFamily="18" charset="0"/>
+                            </a:rPr>
+                            <m:t>1</m:t>
+                          </m:r>
+                        </m:num>
+                        <m:den>
+                          <m:r>
+                            <a:rPr lang="en-US" sz="1100" i="1" dirty="0" smtClean="0">
+                              <a:latin typeface="Cambria Math" panose="02040503050406030204" pitchFamily="18" charset="0"/>
+                            </a:rPr>
+                            <m:t>8</m:t>
+                          </m:r>
+                        </m:den>
+                      </m:f>
+                    </m:oMath>
+                  </m:oMathPara>
+                </a14:m>
+                <a:endParaRPr lang="he-IL" sz="1100" dirty="0"/>
+              </a:p>
+            </p:txBody>
+          </p:sp>
+        </mc:Choice>
+        <mc:Fallback>
+          <p:sp>
+            <p:nvSpPr>
+              <p:cNvPr id="76" name="TextBox 75"/>
+              <p:cNvSpPr txBox="1">
+                <a:spLocks noRot="1" noChangeAspect="1" noMove="1" noResize="1" noEditPoints="1" noAdjustHandles="1" noChangeArrowheads="1" noChangeShapeType="1" noTextEdit="1"/>
+              </p:cNvSpPr>
+              <p:nvPr/>
+            </p:nvSpPr>
+            <p:spPr>
+              <a:xfrm>
+                <a:off x="8706922" y="5005344"/>
+                <a:ext cx="223138" cy="410369"/>
+              </a:xfrm>
+              <a:prstGeom prst="rect">
+                <a:avLst/>
+              </a:prstGeom>
+              <a:blipFill rotWithShape="0">
+                <a:blip r:embed="rId2"/>
+                <a:stretch>
+                  <a:fillRect/>
+                </a:stretch>
+              </a:blipFill>
+            </p:spPr>
+            <p:txBody>
+              <a:bodyPr/>
+              <a:lstStyle/>
+              <a:p>
+                <a:r>
+                  <a:rPr lang="he-IL">
+                    <a:noFill/>
+                  </a:rPr>
+                  <a:t> </a:t>
+                </a:r>
+              </a:p>
+            </p:txBody>
+          </p:sp>
+        </mc:Fallback>
+      </mc:AlternateContent>
+      <p:sp>
+        <p:nvSpPr>
+          <p:cNvPr id="77" name="TextBox 76"/>
+          <p:cNvSpPr txBox="1"/>
+          <p:nvPr/>
+        </p:nvSpPr>
+        <p:spPr>
+          <a:xfrm>
+            <a:off x="8326757" y="4338198"/>
+            <a:ext cx="780085" cy="400110"/>
+          </a:xfrm>
+          <a:prstGeom prst="rect">
+            <a:avLst/>
+          </a:prstGeom>
+          <a:noFill/>
+        </p:spPr>
+        <p:txBody>
+          <a:bodyPr wrap="none" rtlCol="1">
+            <a:spAutoFit/>
+          </a:bodyPr>
+          <a:lstStyle/>
+          <a:p>
+            <a:r>
+              <a:rPr lang="en-US" sz="2000" b="1" dirty="0" smtClean="0"/>
+              <a:t>PROB</a:t>
+            </a:r>
+            <a:endParaRPr lang="he-IL" sz="2000" b="1" dirty="0"/>
+          </a:p>
+        </p:txBody>
+      </p:sp>
+      <p:sp>
+        <p:nvSpPr>
+          <p:cNvPr id="78" name="TextBox 77"/>
+          <p:cNvSpPr txBox="1"/>
+          <p:nvPr/>
+        </p:nvSpPr>
+        <p:spPr>
+          <a:xfrm>
+            <a:off x="405580" y="2495972"/>
+            <a:ext cx="646331" cy="400110"/>
+          </a:xfrm>
+          <a:prstGeom prst="rect">
+            <a:avLst/>
+          </a:prstGeom>
+          <a:noFill/>
+        </p:spPr>
+        <p:txBody>
+          <a:bodyPr wrap="none" rtlCol="1">
+            <a:spAutoFit/>
+          </a:bodyPr>
+          <a:lstStyle/>
+          <a:p>
+            <a:r>
+              <a:rPr lang="en-US" sz="2000" b="1" dirty="0" smtClean="0"/>
+              <a:t>MIN</a:t>
+            </a:r>
+            <a:endParaRPr lang="he-IL" sz="2000" b="1" dirty="0"/>
+          </a:p>
+        </p:txBody>
+      </p:sp>
+      <p:cxnSp>
+        <p:nvCxnSpPr>
+          <p:cNvPr id="87" name="Straight Connector 86"/>
+          <p:cNvCxnSpPr>
+            <a:stCxn id="41" idx="6"/>
+            <a:endCxn id="136" idx="3"/>
+          </p:cNvCxnSpPr>
+          <p:nvPr/>
+        </p:nvCxnSpPr>
+        <p:spPr>
+          <a:xfrm>
+            <a:off x="5818421" y="590119"/>
+            <a:ext cx="2753059" cy="766973"/>
+          </a:xfrm>
+          <a:prstGeom prst="line">
+            <a:avLst/>
+          </a:prstGeom>
+          <a:ln w="28575">
+            <a:solidFill>
+              <a:srgbClr val="FFC000"/>
+            </a:solidFill>
+          </a:ln>
+        </p:spPr>
+        <p:style>
+          <a:lnRef idx="1">
+            <a:schemeClr val="accent1"/>
+          </a:lnRef>
+          <a:fillRef idx="0">
+            <a:schemeClr val="accent1"/>
+          </a:fillRef>
+          <a:effectRef idx="0">
+            <a:schemeClr val="accent1"/>
+          </a:effectRef>
+          <a:fontRef idx="minor">
+            <a:schemeClr val="tx1"/>
+          </a:fontRef>
+        </p:style>
+      </p:cxnSp>
+      <p:sp>
+        <p:nvSpPr>
+          <p:cNvPr id="98" name="TextBox 97"/>
+          <p:cNvSpPr txBox="1"/>
+          <p:nvPr/>
+        </p:nvSpPr>
+        <p:spPr>
+          <a:xfrm rot="3481945">
+            <a:off x="5624057" y="1387819"/>
+            <a:ext cx="1425390" cy="230832"/>
+          </a:xfrm>
+          <a:prstGeom prst="rect">
+            <a:avLst/>
+          </a:prstGeom>
+          <a:noFill/>
+        </p:spPr>
+        <p:txBody>
+          <a:bodyPr wrap="none" rtlCol="1">
+            <a:spAutoFit/>
+          </a:bodyPr>
+          <a:lstStyle/>
+          <a:p>
+            <a:r>
+              <a:rPr lang="he-IL" sz="900" dirty="0" smtClean="0">
+                <a:solidFill>
+                  <a:schemeClr val="accent6"/>
+                </a:solidFill>
+              </a:rPr>
+              <a:t>לך למשבצת </a:t>
+            </a:r>
+            <a:r>
+              <a:rPr lang="en-US" sz="900" dirty="0" smtClean="0">
+                <a:solidFill>
+                  <a:schemeClr val="accent6"/>
+                </a:solidFill>
+              </a:rPr>
+              <a:t>x</a:t>
+            </a:r>
+            <a:r>
+              <a:rPr lang="he-IL" sz="900" dirty="0" smtClean="0">
+                <a:solidFill>
+                  <a:schemeClr val="accent6"/>
+                </a:solidFill>
+              </a:rPr>
+              <a:t> ותירה חץ ל-</a:t>
+            </a:r>
+            <a:r>
+              <a:rPr lang="en-US" sz="900" dirty="0" smtClean="0">
+                <a:solidFill>
+                  <a:schemeClr val="accent6"/>
+                </a:solidFill>
+              </a:rPr>
+              <a:t>y</a:t>
+            </a:r>
+            <a:endParaRPr lang="he-IL" sz="900" dirty="0">
+              <a:solidFill>
+                <a:schemeClr val="accent6"/>
+              </a:solidFill>
+            </a:endParaRPr>
+          </a:p>
+        </p:txBody>
+      </p:sp>
+      <p:sp>
+        <p:nvSpPr>
+          <p:cNvPr id="101" name="TextBox 100"/>
+          <p:cNvSpPr txBox="1"/>
+          <p:nvPr/>
+        </p:nvSpPr>
+        <p:spPr>
+          <a:xfrm rot="2778443">
+            <a:off x="6683205" y="3498824"/>
+            <a:ext cx="2016899" cy="230832"/>
+          </a:xfrm>
+          <a:prstGeom prst="rect">
+            <a:avLst/>
+          </a:prstGeom>
+          <a:noFill/>
+        </p:spPr>
+        <p:txBody>
+          <a:bodyPr wrap="none" rtlCol="1">
+            <a:spAutoFit/>
+          </a:bodyPr>
+          <a:lstStyle/>
+          <a:p>
+            <a:r>
+              <a:rPr lang="he-IL" sz="900" dirty="0" smtClean="0">
+                <a:solidFill>
+                  <a:srgbClr val="FF0000"/>
+                </a:solidFill>
+              </a:rPr>
+              <a:t>שחרר ארנב, לך למשבצת </a:t>
+            </a:r>
+            <a:r>
+              <a:rPr lang="en-US" sz="900" dirty="0" smtClean="0">
+                <a:solidFill>
+                  <a:srgbClr val="FF0000"/>
+                </a:solidFill>
+              </a:rPr>
+              <a:t>a</a:t>
+            </a:r>
+            <a:r>
+              <a:rPr lang="he-IL" sz="900" dirty="0" smtClean="0">
+                <a:solidFill>
+                  <a:srgbClr val="FF0000"/>
+                </a:solidFill>
+              </a:rPr>
+              <a:t> ותירה חץ ל-</a:t>
+            </a:r>
+            <a:r>
+              <a:rPr lang="en-US" sz="900" dirty="0" smtClean="0">
+                <a:solidFill>
+                  <a:srgbClr val="FF0000"/>
+                </a:solidFill>
+              </a:rPr>
+              <a:t>b</a:t>
+            </a:r>
+            <a:endParaRPr lang="he-IL" sz="900" dirty="0">
+              <a:solidFill>
+                <a:srgbClr val="FF0000"/>
+              </a:solidFill>
+            </a:endParaRPr>
+          </a:p>
+        </p:txBody>
+      </p:sp>
+      <p:sp>
+        <p:nvSpPr>
+          <p:cNvPr id="104" name="TextBox 103"/>
+          <p:cNvSpPr txBox="1"/>
+          <p:nvPr/>
+        </p:nvSpPr>
+        <p:spPr>
+          <a:xfrm rot="17803046">
+            <a:off x="5353977" y="3952977"/>
+            <a:ext cx="1425390" cy="230832"/>
+          </a:xfrm>
+          <a:prstGeom prst="rect">
+            <a:avLst/>
+          </a:prstGeom>
+          <a:noFill/>
+        </p:spPr>
+        <p:txBody>
+          <a:bodyPr wrap="none" rtlCol="1">
+            <a:spAutoFit/>
+          </a:bodyPr>
+          <a:lstStyle/>
+          <a:p>
+            <a:r>
+              <a:rPr lang="he-IL" sz="900" dirty="0" smtClean="0">
+                <a:solidFill>
+                  <a:srgbClr val="FF0000"/>
+                </a:solidFill>
+              </a:rPr>
+              <a:t>לך למשבצת </a:t>
+            </a:r>
+            <a:r>
+              <a:rPr lang="en-US" sz="900" dirty="0" smtClean="0">
+                <a:solidFill>
+                  <a:srgbClr val="FF0000"/>
+                </a:solidFill>
+              </a:rPr>
+              <a:t>a</a:t>
+            </a:r>
+            <a:r>
+              <a:rPr lang="he-IL" sz="900" dirty="0" smtClean="0">
+                <a:solidFill>
+                  <a:srgbClr val="FF0000"/>
+                </a:solidFill>
+              </a:rPr>
+              <a:t> ותירה חץ ל-</a:t>
+            </a:r>
+            <a:r>
+              <a:rPr lang="en-US" sz="900" dirty="0" smtClean="0">
+                <a:solidFill>
+                  <a:srgbClr val="FF0000"/>
+                </a:solidFill>
+              </a:rPr>
+              <a:t>b</a:t>
+            </a:r>
+            <a:endParaRPr lang="he-IL" sz="900" dirty="0">
+              <a:solidFill>
+                <a:srgbClr val="FF0000"/>
+              </a:solidFill>
+            </a:endParaRPr>
+          </a:p>
+        </p:txBody>
+      </p:sp>
+      <mc:AlternateContent xmlns:mc="http://schemas.openxmlformats.org/markup-compatibility/2006">
+        <mc:Choice xmlns:a14="http://schemas.microsoft.com/office/drawing/2010/main" Requires="a14">
+          <p:sp>
+            <p:nvSpPr>
+              <p:cNvPr id="113" name="TextBox 112"/>
+              <p:cNvSpPr txBox="1"/>
+              <p:nvPr/>
+            </p:nvSpPr>
+            <p:spPr>
+              <a:xfrm>
+                <a:off x="7226054" y="5015710"/>
+                <a:ext cx="223138" cy="410369"/>
+              </a:xfrm>
+              <a:prstGeom prst="rect">
+                <a:avLst/>
+              </a:prstGeom>
+              <a:noFill/>
+            </p:spPr>
+            <p:txBody>
+              <a:bodyPr wrap="none" rtlCol="1">
+                <a:spAutoFit/>
+              </a:bodyPr>
+              <a:lstStyle/>
+              <a:p>
+                <a14:m>
+                  <m:oMathPara xmlns:m="http://schemas.openxmlformats.org/officeDocument/2006/math">
+                    <m:oMathParaPr>
+                      <m:jc m:val="centerGroup"/>
+                    </m:oMathParaPr>
+                    <m:oMath xmlns:m="http://schemas.openxmlformats.org/officeDocument/2006/math">
+                      <m:f>
+                        <m:fPr>
+                          <m:ctrlPr>
+                            <a:rPr lang="en-US" sz="1100" i="1" dirty="0" smtClean="0">
+                              <a:latin typeface="Cambria Math" panose="02040503050406030204" pitchFamily="18" charset="0"/>
+                            </a:rPr>
+                          </m:ctrlPr>
+                        </m:fPr>
+                        <m:num>
+                          <m:r>
+                            <a:rPr lang="en-US" sz="1100" i="1" dirty="0" smtClean="0">
+                              <a:latin typeface="Cambria Math" panose="02040503050406030204" pitchFamily="18" charset="0"/>
+                            </a:rPr>
+                            <m:t>1</m:t>
+                          </m:r>
+                        </m:num>
+                        <m:den>
+                          <m:r>
+                            <a:rPr lang="en-US" sz="1100" i="1" dirty="0" smtClean="0">
+                              <a:latin typeface="Cambria Math" panose="02040503050406030204" pitchFamily="18" charset="0"/>
+                            </a:rPr>
+                            <m:t>8</m:t>
+                          </m:r>
+                        </m:den>
+                      </m:f>
+                    </m:oMath>
+                  </m:oMathPara>
+                </a14:m>
+                <a:endParaRPr lang="he-IL" sz="1100" dirty="0"/>
+              </a:p>
+            </p:txBody>
+          </p:sp>
+        </mc:Choice>
+        <mc:Fallback>
+          <p:sp>
+            <p:nvSpPr>
+              <p:cNvPr id="113" name="TextBox 112"/>
+              <p:cNvSpPr txBox="1">
+                <a:spLocks noRot="1" noChangeAspect="1" noMove="1" noResize="1" noEditPoints="1" noAdjustHandles="1" noChangeArrowheads="1" noChangeShapeType="1" noTextEdit="1"/>
+              </p:cNvSpPr>
+              <p:nvPr/>
+            </p:nvSpPr>
+            <p:spPr>
+              <a:xfrm>
+                <a:off x="7226054" y="5015710"/>
+                <a:ext cx="223138" cy="410369"/>
+              </a:xfrm>
+              <a:prstGeom prst="rect">
+                <a:avLst/>
+              </a:prstGeom>
+              <a:blipFill rotWithShape="0">
+                <a:blip r:embed="rId3"/>
+                <a:stretch>
+                  <a:fillRect/>
+                </a:stretch>
+              </a:blipFill>
+            </p:spPr>
+            <p:txBody>
+              <a:bodyPr/>
+              <a:lstStyle/>
+              <a:p>
+                <a:r>
+                  <a:rPr lang="he-IL">
+                    <a:noFill/>
+                  </a:rPr>
+                  <a:t> </a:t>
+                </a:r>
+              </a:p>
+            </p:txBody>
+          </p:sp>
+        </mc:Fallback>
+      </mc:AlternateContent>
+      <p:sp>
+        <p:nvSpPr>
+          <p:cNvPr id="131" name="Oval 130"/>
+          <p:cNvSpPr/>
+          <p:nvPr/>
+        </p:nvSpPr>
+        <p:spPr>
+          <a:xfrm>
+            <a:off x="7719541" y="5814525"/>
+            <a:ext cx="134224" cy="134224"/>
+          </a:xfrm>
+          <a:prstGeom prst="ellipse">
+            <a:avLst/>
+          </a:prstGeom>
+          <a:solidFill>
+            <a:schemeClr val="tx1"/>
+          </a:solidFill>
+          <a:ln>
+            <a:solidFill>
+              <a:schemeClr val="tx1"/>
+            </a:solidFill>
+          </a:ln>
+        </p:spPr>
+        <p:style>
+          <a:lnRef idx="2">
+            <a:schemeClr val="accent1">
+              <a:shade val="50000"/>
+            </a:schemeClr>
+          </a:lnRef>
+          <a:fillRef idx="1">
+            <a:schemeClr val="accent1"/>
+          </a:fillRef>
+          <a:effectRef idx="0">
+            <a:schemeClr val="accent1"/>
+          </a:effectRef>
+          <a:fontRef idx="minor">
+            <a:schemeClr val="lt1"/>
+          </a:fontRef>
+        </p:style>
+        <p:txBody>
+          <a:bodyPr rtlCol="1" anchor="ctr"/>
+          <a:lstStyle/>
+          <a:p>
+            <a:pPr algn="ctr"/>
+            <a:endParaRPr lang="he-IL"/>
+          </a:p>
+        </p:txBody>
+      </p:sp>
+      <p:sp>
+        <p:nvSpPr>
+          <p:cNvPr id="132" name="Oval 131"/>
+          <p:cNvSpPr/>
+          <p:nvPr/>
+        </p:nvSpPr>
+        <p:spPr>
+          <a:xfrm>
+            <a:off x="7999389" y="5811653"/>
+            <a:ext cx="134224" cy="134224"/>
+          </a:xfrm>
+          <a:prstGeom prst="ellipse">
+            <a:avLst/>
+          </a:prstGeom>
+          <a:solidFill>
+            <a:schemeClr val="tx1"/>
+          </a:solidFill>
+          <a:ln>
+            <a:solidFill>
+              <a:schemeClr val="tx1"/>
+            </a:solidFill>
+          </a:ln>
+        </p:spPr>
+        <p:style>
+          <a:lnRef idx="2">
+            <a:schemeClr val="accent1">
+              <a:shade val="50000"/>
+            </a:schemeClr>
+          </a:lnRef>
+          <a:fillRef idx="1">
+            <a:schemeClr val="accent1"/>
+          </a:fillRef>
+          <a:effectRef idx="0">
+            <a:schemeClr val="accent1"/>
+          </a:effectRef>
+          <a:fontRef idx="minor">
+            <a:schemeClr val="lt1"/>
+          </a:fontRef>
+        </p:style>
+        <p:txBody>
+          <a:bodyPr rtlCol="1" anchor="ctr"/>
+          <a:lstStyle/>
+          <a:p>
+            <a:pPr algn="ctr"/>
+            <a:endParaRPr lang="he-IL"/>
+          </a:p>
+        </p:txBody>
+      </p:sp>
+      <p:sp>
+        <p:nvSpPr>
+          <p:cNvPr id="133" name="Oval 132"/>
+          <p:cNvSpPr/>
+          <p:nvPr/>
+        </p:nvSpPr>
+        <p:spPr>
+          <a:xfrm>
+            <a:off x="8272715" y="5815848"/>
+            <a:ext cx="134224" cy="134224"/>
+          </a:xfrm>
+          <a:prstGeom prst="ellipse">
+            <a:avLst/>
+          </a:prstGeom>
+          <a:solidFill>
+            <a:schemeClr val="tx1"/>
+          </a:solidFill>
+          <a:ln>
+            <a:solidFill>
+              <a:schemeClr val="tx1"/>
+            </a:solidFill>
+          </a:ln>
+        </p:spPr>
+        <p:style>
+          <a:lnRef idx="2">
+            <a:schemeClr val="accent1">
+              <a:shade val="50000"/>
+            </a:schemeClr>
+          </a:lnRef>
+          <a:fillRef idx="1">
+            <a:schemeClr val="accent1"/>
+          </a:fillRef>
+          <a:effectRef idx="0">
+            <a:schemeClr val="accent1"/>
+          </a:effectRef>
+          <a:fontRef idx="minor">
+            <a:schemeClr val="lt1"/>
+          </a:fontRef>
+        </p:style>
+        <p:txBody>
+          <a:bodyPr rtlCol="1" anchor="ctr"/>
+          <a:lstStyle/>
+          <a:p>
+            <a:pPr algn="ctr"/>
+            <a:endParaRPr lang="he-IL"/>
+          </a:p>
+        </p:txBody>
+      </p:sp>
+      <p:sp>
+        <p:nvSpPr>
+          <p:cNvPr id="136" name="Isosceles Triangle 135"/>
+          <p:cNvSpPr/>
+          <p:nvPr/>
+        </p:nvSpPr>
+        <p:spPr>
+          <a:xfrm rot="10800000">
+            <a:off x="8284804" y="1357092"/>
+            <a:ext cx="573353" cy="494270"/>
+          </a:xfrm>
+          <a:prstGeom prst="triangle">
+            <a:avLst/>
+          </a:prstGeom>
+        </p:spPr>
+        <p:style>
+          <a:lnRef idx="2">
+            <a:schemeClr val="accent1">
+              <a:shade val="50000"/>
+            </a:schemeClr>
+          </a:lnRef>
+          <a:fillRef idx="1">
+            <a:schemeClr val="accent1"/>
+          </a:fillRef>
+          <a:effectRef idx="0">
+            <a:schemeClr val="accent1"/>
+          </a:effectRef>
+          <a:fontRef idx="minor">
+            <a:schemeClr val="lt1"/>
+          </a:fontRef>
+        </p:style>
+        <p:txBody>
+          <a:bodyPr rtlCol="1" anchor="ctr"/>
+          <a:lstStyle/>
+          <a:p>
+            <a:pPr algn="ctr"/>
+            <a:endParaRPr lang="he-IL"/>
+          </a:p>
+        </p:txBody>
+      </p:sp>
+      <p:cxnSp>
+        <p:nvCxnSpPr>
+          <p:cNvPr id="137" name="Straight Connector 136"/>
+          <p:cNvCxnSpPr>
+            <a:stCxn id="136" idx="0"/>
+            <a:endCxn id="148" idx="0"/>
+          </p:cNvCxnSpPr>
+          <p:nvPr/>
+        </p:nvCxnSpPr>
+        <p:spPr>
+          <a:xfrm flipH="1">
+            <a:off x="7700687" y="1851362"/>
+            <a:ext cx="870793" cy="621760"/>
+          </a:xfrm>
+          <a:prstGeom prst="line">
+            <a:avLst/>
+          </a:prstGeom>
+          <a:ln w="28575">
+            <a:solidFill>
+              <a:srgbClr val="FFC000"/>
+            </a:solidFill>
+          </a:ln>
+        </p:spPr>
+        <p:style>
+          <a:lnRef idx="1">
+            <a:schemeClr val="accent1"/>
+          </a:lnRef>
+          <a:fillRef idx="0">
+            <a:schemeClr val="accent1"/>
+          </a:fillRef>
+          <a:effectRef idx="0">
+            <a:schemeClr val="accent1"/>
+          </a:effectRef>
+          <a:fontRef idx="minor">
+            <a:schemeClr val="tx1"/>
+          </a:fontRef>
+        </p:style>
+      </p:cxnSp>
+      <p:cxnSp>
+        <p:nvCxnSpPr>
+          <p:cNvPr id="139" name="Straight Connector 138"/>
+          <p:cNvCxnSpPr>
+            <a:stCxn id="136" idx="0"/>
+            <a:endCxn id="150" idx="0"/>
+          </p:cNvCxnSpPr>
+          <p:nvPr/>
+        </p:nvCxnSpPr>
+        <p:spPr>
+          <a:xfrm>
+            <a:off x="8571480" y="1851362"/>
+            <a:ext cx="701444" cy="609825"/>
+          </a:xfrm>
+          <a:prstGeom prst="line">
+            <a:avLst/>
+          </a:prstGeom>
+          <a:ln w="28575">
+            <a:solidFill>
+              <a:srgbClr val="FFC000"/>
+            </a:solidFill>
+          </a:ln>
+        </p:spPr>
+        <p:style>
+          <a:lnRef idx="1">
+            <a:schemeClr val="accent1"/>
+          </a:lnRef>
+          <a:fillRef idx="0">
+            <a:schemeClr val="accent1"/>
+          </a:fillRef>
+          <a:effectRef idx="0">
+            <a:schemeClr val="accent1"/>
+          </a:effectRef>
+          <a:fontRef idx="minor">
+            <a:schemeClr val="tx1"/>
+          </a:fontRef>
+        </p:style>
+      </p:cxnSp>
+      <mc:AlternateContent xmlns:mc="http://schemas.openxmlformats.org/markup-compatibility/2006">
+        <mc:Choice xmlns:a14="http://schemas.microsoft.com/office/drawing/2010/main" Requires="a14">
+          <p:sp>
+            <p:nvSpPr>
+              <p:cNvPr id="141" name="TextBox 140"/>
+              <p:cNvSpPr txBox="1"/>
+              <p:nvPr/>
+            </p:nvSpPr>
+            <p:spPr>
+              <a:xfrm>
+                <a:off x="8951290" y="1851361"/>
+                <a:ext cx="223138" cy="410369"/>
+              </a:xfrm>
+              <a:prstGeom prst="rect">
+                <a:avLst/>
+              </a:prstGeom>
+              <a:noFill/>
+            </p:spPr>
+            <p:txBody>
+              <a:bodyPr wrap="none" rtlCol="1">
+                <a:spAutoFit/>
+              </a:bodyPr>
+              <a:lstStyle/>
+              <a:p>
+                <a14:m>
+                  <m:oMathPara xmlns:m="http://schemas.openxmlformats.org/officeDocument/2006/math">
+                    <m:oMathParaPr>
+                      <m:jc m:val="centerGroup"/>
+                    </m:oMathParaPr>
+                    <m:oMath xmlns:m="http://schemas.openxmlformats.org/officeDocument/2006/math">
+                      <m:f>
+                        <m:fPr>
+                          <m:ctrlPr>
+                            <a:rPr lang="en-US" sz="1100" i="1" dirty="0" smtClean="0">
+                              <a:latin typeface="Cambria Math" panose="02040503050406030204" pitchFamily="18" charset="0"/>
+                            </a:rPr>
+                          </m:ctrlPr>
+                        </m:fPr>
+                        <m:num>
+                          <m:r>
+                            <a:rPr lang="en-US" sz="1100" i="1" dirty="0" smtClean="0">
+                              <a:latin typeface="Cambria Math" panose="02040503050406030204" pitchFamily="18" charset="0"/>
+                            </a:rPr>
+                            <m:t>1</m:t>
+                          </m:r>
+                        </m:num>
+                        <m:den>
+                          <m:r>
+                            <a:rPr lang="en-US" sz="1100" i="1" dirty="0" smtClean="0">
+                              <a:latin typeface="Cambria Math" panose="02040503050406030204" pitchFamily="18" charset="0"/>
+                            </a:rPr>
+                            <m:t>8</m:t>
+                          </m:r>
+                        </m:den>
+                      </m:f>
+                    </m:oMath>
+                  </m:oMathPara>
+                </a14:m>
+                <a:endParaRPr lang="he-IL" sz="1100" dirty="0"/>
+              </a:p>
+            </p:txBody>
+          </p:sp>
+        </mc:Choice>
+        <mc:Fallback>
+          <p:sp>
+            <p:nvSpPr>
+              <p:cNvPr id="141" name="TextBox 140"/>
+              <p:cNvSpPr txBox="1">
+                <a:spLocks noRot="1" noChangeAspect="1" noMove="1" noResize="1" noEditPoints="1" noAdjustHandles="1" noChangeArrowheads="1" noChangeShapeType="1" noTextEdit="1"/>
+              </p:cNvSpPr>
+              <p:nvPr/>
+            </p:nvSpPr>
+            <p:spPr>
+              <a:xfrm>
+                <a:off x="8951290" y="1851361"/>
+                <a:ext cx="223138" cy="410369"/>
+              </a:xfrm>
+              <a:prstGeom prst="rect">
+                <a:avLst/>
+              </a:prstGeom>
+              <a:blipFill rotWithShape="0">
+                <a:blip r:embed="rId3"/>
+                <a:stretch>
+                  <a:fillRect/>
+                </a:stretch>
+              </a:blipFill>
+            </p:spPr>
+            <p:txBody>
+              <a:bodyPr/>
+              <a:lstStyle/>
+              <a:p>
+                <a:r>
+                  <a:rPr lang="he-IL">
+                    <a:noFill/>
+                  </a:rPr>
+                  <a:t> </a:t>
+                </a:r>
+              </a:p>
+            </p:txBody>
+          </p:sp>
+        </mc:Fallback>
+      </mc:AlternateContent>
+      <p:sp>
+        <p:nvSpPr>
+          <p:cNvPr id="142" name="TextBox 141"/>
+          <p:cNvSpPr txBox="1"/>
+          <p:nvPr/>
+        </p:nvSpPr>
+        <p:spPr>
+          <a:xfrm>
+            <a:off x="8727710" y="1353784"/>
+            <a:ext cx="780085" cy="400110"/>
+          </a:xfrm>
+          <a:prstGeom prst="rect">
+            <a:avLst/>
+          </a:prstGeom>
+          <a:noFill/>
+        </p:spPr>
+        <p:txBody>
+          <a:bodyPr wrap="none" rtlCol="1">
+            <a:spAutoFit/>
+          </a:bodyPr>
+          <a:lstStyle/>
+          <a:p>
+            <a:r>
+              <a:rPr lang="en-US" sz="2000" b="1" dirty="0" smtClean="0"/>
+              <a:t>PROB</a:t>
+            </a:r>
+            <a:endParaRPr lang="he-IL" sz="2000" b="1" dirty="0"/>
+          </a:p>
+        </p:txBody>
+      </p:sp>
+      <mc:AlternateContent xmlns:mc="http://schemas.openxmlformats.org/markup-compatibility/2006">
+        <mc:Choice xmlns:a14="http://schemas.microsoft.com/office/drawing/2010/main" Requires="a14">
+          <p:sp>
+            <p:nvSpPr>
+              <p:cNvPr id="143" name="TextBox 142"/>
+              <p:cNvSpPr txBox="1"/>
+              <p:nvPr/>
+            </p:nvSpPr>
+            <p:spPr>
+              <a:xfrm>
+                <a:off x="7803764" y="1811581"/>
+                <a:ext cx="223138" cy="410369"/>
+              </a:xfrm>
+              <a:prstGeom prst="rect">
+                <a:avLst/>
+              </a:prstGeom>
+              <a:noFill/>
+            </p:spPr>
+            <p:txBody>
+              <a:bodyPr wrap="none" rtlCol="1">
+                <a:spAutoFit/>
+              </a:bodyPr>
+              <a:lstStyle/>
+              <a:p>
+                <a14:m>
+                  <m:oMathPara xmlns:m="http://schemas.openxmlformats.org/officeDocument/2006/math">
+                    <m:oMathParaPr>
+                      <m:jc m:val="centerGroup"/>
+                    </m:oMathParaPr>
+                    <m:oMath xmlns:m="http://schemas.openxmlformats.org/officeDocument/2006/math">
+                      <m:f>
+                        <m:fPr>
+                          <m:ctrlPr>
+                            <a:rPr lang="en-US" sz="1100" i="1" dirty="0" smtClean="0">
+                              <a:latin typeface="Cambria Math" panose="02040503050406030204" pitchFamily="18" charset="0"/>
+                            </a:rPr>
+                          </m:ctrlPr>
+                        </m:fPr>
+                        <m:num>
+                          <m:r>
+                            <a:rPr lang="en-US" sz="1100" i="1" dirty="0" smtClean="0">
+                              <a:latin typeface="Cambria Math" panose="02040503050406030204" pitchFamily="18" charset="0"/>
+                            </a:rPr>
+                            <m:t>1</m:t>
+                          </m:r>
+                        </m:num>
+                        <m:den>
+                          <m:r>
+                            <a:rPr lang="en-US" sz="1100" i="1" dirty="0" smtClean="0">
+                              <a:latin typeface="Cambria Math" panose="02040503050406030204" pitchFamily="18" charset="0"/>
+                            </a:rPr>
+                            <m:t>8</m:t>
+                          </m:r>
+                        </m:den>
+                      </m:f>
+                    </m:oMath>
+                  </m:oMathPara>
+                </a14:m>
+                <a:endParaRPr lang="he-IL" sz="1100" dirty="0"/>
+              </a:p>
+            </p:txBody>
+          </p:sp>
+        </mc:Choice>
+        <mc:Fallback>
+          <p:sp>
+            <p:nvSpPr>
+              <p:cNvPr id="143" name="TextBox 142"/>
+              <p:cNvSpPr txBox="1">
+                <a:spLocks noRot="1" noChangeAspect="1" noMove="1" noResize="1" noEditPoints="1" noAdjustHandles="1" noChangeArrowheads="1" noChangeShapeType="1" noTextEdit="1"/>
+              </p:cNvSpPr>
+              <p:nvPr/>
+            </p:nvSpPr>
+            <p:spPr>
+              <a:xfrm>
+                <a:off x="7803764" y="1811581"/>
+                <a:ext cx="223138" cy="410369"/>
+              </a:xfrm>
+              <a:prstGeom prst="rect">
+                <a:avLst/>
+              </a:prstGeom>
+              <a:blipFill rotWithShape="0">
+                <a:blip r:embed="rId2"/>
+                <a:stretch>
+                  <a:fillRect/>
+                </a:stretch>
+              </a:blipFill>
+            </p:spPr>
+            <p:txBody>
+              <a:bodyPr/>
+              <a:lstStyle/>
+              <a:p>
+                <a:r>
+                  <a:rPr lang="he-IL">
+                    <a:noFill/>
+                  </a:rPr>
+                  <a:t> </a:t>
+                </a:r>
+              </a:p>
+            </p:txBody>
+          </p:sp>
+        </mc:Fallback>
+      </mc:AlternateContent>
+      <p:sp>
+        <p:nvSpPr>
+          <p:cNvPr id="144" name="Oval 143"/>
+          <p:cNvSpPr/>
+          <p:nvPr/>
+        </p:nvSpPr>
+        <p:spPr>
+          <a:xfrm>
+            <a:off x="8127464" y="2600259"/>
+            <a:ext cx="134224" cy="134224"/>
+          </a:xfrm>
+          <a:prstGeom prst="ellipse">
+            <a:avLst/>
+          </a:prstGeom>
+          <a:solidFill>
+            <a:schemeClr val="tx1"/>
+          </a:solidFill>
+          <a:ln>
+            <a:solidFill>
+              <a:schemeClr val="tx1"/>
+            </a:solidFill>
+          </a:ln>
+        </p:spPr>
+        <p:style>
+          <a:lnRef idx="2">
+            <a:schemeClr val="accent1">
+              <a:shade val="50000"/>
+            </a:schemeClr>
+          </a:lnRef>
+          <a:fillRef idx="1">
+            <a:schemeClr val="accent1"/>
+          </a:fillRef>
+          <a:effectRef idx="0">
+            <a:schemeClr val="accent1"/>
+          </a:effectRef>
+          <a:fontRef idx="minor">
+            <a:schemeClr val="lt1"/>
+          </a:fontRef>
+        </p:style>
+        <p:txBody>
+          <a:bodyPr rtlCol="1" anchor="ctr"/>
+          <a:lstStyle/>
+          <a:p>
+            <a:pPr algn="ctr"/>
+            <a:endParaRPr lang="he-IL"/>
+          </a:p>
+        </p:txBody>
+      </p:sp>
+      <p:sp>
+        <p:nvSpPr>
+          <p:cNvPr id="145" name="Oval 144"/>
+          <p:cNvSpPr/>
+          <p:nvPr/>
+        </p:nvSpPr>
+        <p:spPr>
+          <a:xfrm>
+            <a:off x="8407312" y="2597387"/>
+            <a:ext cx="134224" cy="134224"/>
+          </a:xfrm>
+          <a:prstGeom prst="ellipse">
+            <a:avLst/>
+          </a:prstGeom>
+          <a:solidFill>
+            <a:schemeClr val="tx1"/>
+          </a:solidFill>
+          <a:ln>
+            <a:solidFill>
+              <a:schemeClr val="tx1"/>
+            </a:solidFill>
+          </a:ln>
+        </p:spPr>
+        <p:style>
+          <a:lnRef idx="2">
+            <a:schemeClr val="accent1">
+              <a:shade val="50000"/>
+            </a:schemeClr>
+          </a:lnRef>
+          <a:fillRef idx="1">
+            <a:schemeClr val="accent1"/>
+          </a:fillRef>
+          <a:effectRef idx="0">
+            <a:schemeClr val="accent1"/>
+          </a:effectRef>
+          <a:fontRef idx="minor">
+            <a:schemeClr val="lt1"/>
+          </a:fontRef>
+        </p:style>
+        <p:txBody>
+          <a:bodyPr rtlCol="1" anchor="ctr"/>
+          <a:lstStyle/>
+          <a:p>
+            <a:pPr algn="ctr"/>
+            <a:endParaRPr lang="he-IL"/>
+          </a:p>
+        </p:txBody>
+      </p:sp>
+      <p:sp>
+        <p:nvSpPr>
+          <p:cNvPr id="146" name="Oval 145"/>
+          <p:cNvSpPr/>
+          <p:nvPr/>
+        </p:nvSpPr>
+        <p:spPr>
+          <a:xfrm>
+            <a:off x="8680638" y="2601582"/>
+            <a:ext cx="134224" cy="134224"/>
+          </a:xfrm>
+          <a:prstGeom prst="ellipse">
+            <a:avLst/>
+          </a:prstGeom>
+          <a:solidFill>
+            <a:schemeClr val="tx1"/>
+          </a:solidFill>
+          <a:ln>
+            <a:solidFill>
+              <a:schemeClr val="tx1"/>
+            </a:solidFill>
+          </a:ln>
+        </p:spPr>
+        <p:style>
+          <a:lnRef idx="2">
+            <a:schemeClr val="accent1">
+              <a:shade val="50000"/>
+            </a:schemeClr>
+          </a:lnRef>
+          <a:fillRef idx="1">
+            <a:schemeClr val="accent1"/>
+          </a:fillRef>
+          <a:effectRef idx="0">
+            <a:schemeClr val="accent1"/>
+          </a:effectRef>
+          <a:fontRef idx="minor">
+            <a:schemeClr val="lt1"/>
+          </a:fontRef>
+        </p:style>
+        <p:txBody>
+          <a:bodyPr rtlCol="1" anchor="ctr"/>
+          <a:lstStyle/>
+          <a:p>
+            <a:pPr algn="ctr"/>
+            <a:endParaRPr lang="he-IL"/>
+          </a:p>
+        </p:txBody>
+      </p:sp>
+      <p:sp>
+        <p:nvSpPr>
+          <p:cNvPr id="148" name="Rectangle 147"/>
+          <p:cNvSpPr/>
+          <p:nvPr/>
+        </p:nvSpPr>
+        <p:spPr>
+          <a:xfrm>
+            <a:off x="7490622" y="2473122"/>
+            <a:ext cx="420129" cy="420130"/>
+          </a:xfrm>
+          <a:prstGeom prst="rect">
+            <a:avLst/>
+          </a:prstGeom>
+        </p:spPr>
+        <p:style>
+          <a:lnRef idx="2">
+            <a:schemeClr val="accent1">
+              <a:shade val="50000"/>
+            </a:schemeClr>
+          </a:lnRef>
+          <a:fillRef idx="1">
+            <a:schemeClr val="accent1"/>
+          </a:fillRef>
+          <a:effectRef idx="0">
+            <a:schemeClr val="accent1"/>
+          </a:effectRef>
+          <a:fontRef idx="minor">
+            <a:schemeClr val="lt1"/>
+          </a:fontRef>
+        </p:style>
+        <p:txBody>
+          <a:bodyPr rtlCol="1" anchor="ctr"/>
+          <a:lstStyle/>
+          <a:p>
+            <a:pPr algn="ctr"/>
+            <a:endParaRPr lang="he-IL"/>
+          </a:p>
+        </p:txBody>
+      </p:sp>
+      <p:sp>
+        <p:nvSpPr>
+          <p:cNvPr id="150" name="Rectangle 149"/>
+          <p:cNvSpPr/>
+          <p:nvPr/>
+        </p:nvSpPr>
+        <p:spPr>
+          <a:xfrm>
+            <a:off x="9062859" y="2461187"/>
+            <a:ext cx="420129" cy="420130"/>
+          </a:xfrm>
+          <a:prstGeom prst="rect">
+            <a:avLst/>
+          </a:prstGeom>
+        </p:spPr>
+        <p:style>
+          <a:lnRef idx="2">
+            <a:schemeClr val="accent1">
+              <a:shade val="50000"/>
+            </a:schemeClr>
+          </a:lnRef>
+          <a:fillRef idx="1">
+            <a:schemeClr val="accent1"/>
+          </a:fillRef>
+          <a:effectRef idx="0">
+            <a:schemeClr val="accent1"/>
+          </a:effectRef>
+          <a:fontRef idx="minor">
+            <a:schemeClr val="lt1"/>
+          </a:fontRef>
+        </p:style>
+        <p:txBody>
+          <a:bodyPr rtlCol="1" anchor="ctr"/>
+          <a:lstStyle/>
+          <a:p>
+            <a:pPr algn="ctr"/>
+            <a:endParaRPr lang="he-IL"/>
+          </a:p>
+        </p:txBody>
+      </p:sp>
+      <p:cxnSp>
+        <p:nvCxnSpPr>
+          <p:cNvPr id="153" name="Straight Connector 152"/>
+          <p:cNvCxnSpPr>
+            <a:stCxn id="43" idx="2"/>
+            <a:endCxn id="156" idx="0"/>
+          </p:cNvCxnSpPr>
+          <p:nvPr/>
+        </p:nvCxnSpPr>
+        <p:spPr>
+          <a:xfrm flipH="1">
+            <a:off x="1761637" y="2883003"/>
+            <a:ext cx="5070767" cy="2770827"/>
+          </a:xfrm>
+          <a:prstGeom prst="line">
+            <a:avLst/>
+          </a:prstGeom>
+          <a:ln w="28575">
+            <a:solidFill>
+              <a:srgbClr val="FFC000"/>
+            </a:solidFill>
+          </a:ln>
+        </p:spPr>
+        <p:style>
+          <a:lnRef idx="1">
+            <a:schemeClr val="accent1"/>
+          </a:lnRef>
+          <a:fillRef idx="0">
+            <a:schemeClr val="accent1"/>
+          </a:fillRef>
+          <a:effectRef idx="0">
+            <a:schemeClr val="accent1"/>
+          </a:effectRef>
+          <a:fontRef idx="minor">
+            <a:schemeClr val="tx1"/>
+          </a:fontRef>
+        </p:style>
+      </p:cxnSp>
+      <p:sp>
+        <p:nvSpPr>
+          <p:cNvPr id="156" name="Oval 155"/>
+          <p:cNvSpPr/>
+          <p:nvPr/>
+        </p:nvSpPr>
+        <p:spPr>
+          <a:xfrm>
+            <a:off x="1555691" y="5653830"/>
+            <a:ext cx="411892" cy="411892"/>
+          </a:xfrm>
+          <a:prstGeom prst="ellipse">
+            <a:avLst/>
+          </a:prstGeom>
+        </p:spPr>
+        <p:style>
+          <a:lnRef idx="2">
+            <a:schemeClr val="accent1">
+              <a:shade val="50000"/>
+            </a:schemeClr>
+          </a:lnRef>
+          <a:fillRef idx="1">
+            <a:schemeClr val="accent1"/>
+          </a:fillRef>
+          <a:effectRef idx="0">
+            <a:schemeClr val="accent1"/>
+          </a:effectRef>
+          <a:fontRef idx="minor">
+            <a:schemeClr val="lt1"/>
+          </a:fontRef>
+        </p:style>
+        <p:txBody>
+          <a:bodyPr rtlCol="1" anchor="ctr"/>
+          <a:lstStyle/>
+          <a:p>
+            <a:pPr algn="ctr"/>
+            <a:endParaRPr lang="he-IL"/>
+          </a:p>
+        </p:txBody>
+      </p:sp>
+      <p:sp>
+        <p:nvSpPr>
+          <p:cNvPr id="158" name="Isosceles Triangle 157"/>
+          <p:cNvSpPr/>
+          <p:nvPr/>
+        </p:nvSpPr>
+        <p:spPr>
+          <a:xfrm rot="10800000">
+            <a:off x="4267057" y="4369269"/>
+            <a:ext cx="573353" cy="494270"/>
+          </a:xfrm>
+          <a:prstGeom prst="triangle">
+            <a:avLst/>
+          </a:prstGeom>
+        </p:spPr>
+        <p:style>
+          <a:lnRef idx="2">
+            <a:schemeClr val="accent1">
+              <a:shade val="50000"/>
+            </a:schemeClr>
+          </a:lnRef>
+          <a:fillRef idx="1">
+            <a:schemeClr val="accent1"/>
+          </a:fillRef>
+          <a:effectRef idx="0">
+            <a:schemeClr val="accent1"/>
+          </a:effectRef>
+          <a:fontRef idx="minor">
+            <a:schemeClr val="lt1"/>
+          </a:fontRef>
+        </p:style>
+        <p:txBody>
+          <a:bodyPr rtlCol="1" anchor="ctr"/>
+          <a:lstStyle/>
+          <a:p>
+            <a:pPr algn="ctr"/>
+            <a:endParaRPr lang="he-IL"/>
+          </a:p>
+        </p:txBody>
+      </p:sp>
+      <p:cxnSp>
+        <p:nvCxnSpPr>
+          <p:cNvPr id="161" name="Straight Connector 160"/>
+          <p:cNvCxnSpPr>
+            <a:stCxn id="43" idx="2"/>
+            <a:endCxn id="158" idx="3"/>
+          </p:cNvCxnSpPr>
+          <p:nvPr/>
+        </p:nvCxnSpPr>
+        <p:spPr>
+          <a:xfrm flipH="1">
+            <a:off x="4553733" y="2883003"/>
+            <a:ext cx="2278671" cy="1486266"/>
+          </a:xfrm>
+          <a:prstGeom prst="line">
+            <a:avLst/>
+          </a:prstGeom>
+          <a:ln w="28575">
+            <a:solidFill>
+              <a:srgbClr val="FFC000"/>
+            </a:solidFill>
+          </a:ln>
+        </p:spPr>
+        <p:style>
+          <a:lnRef idx="1">
+            <a:schemeClr val="accent1"/>
+          </a:lnRef>
+          <a:fillRef idx="0">
+            <a:schemeClr val="accent1"/>
+          </a:fillRef>
+          <a:effectRef idx="0">
+            <a:schemeClr val="accent1"/>
+          </a:effectRef>
+          <a:fontRef idx="minor">
+            <a:schemeClr val="tx1"/>
+          </a:fontRef>
+        </p:style>
+      </p:cxnSp>
+      <p:cxnSp>
+        <p:nvCxnSpPr>
+          <p:cNvPr id="164" name="Straight Connector 163"/>
+          <p:cNvCxnSpPr>
+            <a:stCxn id="158" idx="0"/>
+            <a:endCxn id="165" idx="0"/>
+          </p:cNvCxnSpPr>
+          <p:nvPr/>
+        </p:nvCxnSpPr>
+        <p:spPr>
+          <a:xfrm flipH="1">
+            <a:off x="2876785" y="4863539"/>
+            <a:ext cx="1676948" cy="779002"/>
+          </a:xfrm>
+          <a:prstGeom prst="line">
+            <a:avLst/>
+          </a:prstGeom>
+          <a:ln w="28575">
+            <a:solidFill>
+              <a:srgbClr val="FFC000"/>
+            </a:solidFill>
+          </a:ln>
+        </p:spPr>
+        <p:style>
+          <a:lnRef idx="1">
+            <a:schemeClr val="accent1"/>
+          </a:lnRef>
+          <a:fillRef idx="0">
+            <a:schemeClr val="accent1"/>
+          </a:fillRef>
+          <a:effectRef idx="0">
+            <a:schemeClr val="accent1"/>
+          </a:effectRef>
+          <a:fontRef idx="minor">
+            <a:schemeClr val="tx1"/>
+          </a:fontRef>
+        </p:style>
+      </p:cxnSp>
+      <p:sp>
+        <p:nvSpPr>
+          <p:cNvPr id="165" name="Oval 164"/>
+          <p:cNvSpPr/>
+          <p:nvPr/>
+        </p:nvSpPr>
+        <p:spPr>
+          <a:xfrm>
+            <a:off x="2670839" y="5642541"/>
+            <a:ext cx="411892" cy="411892"/>
+          </a:xfrm>
+          <a:prstGeom prst="ellipse">
+            <a:avLst/>
+          </a:prstGeom>
+        </p:spPr>
+        <p:style>
+          <a:lnRef idx="2">
+            <a:schemeClr val="accent1">
+              <a:shade val="50000"/>
+            </a:schemeClr>
+          </a:lnRef>
+          <a:fillRef idx="1">
+            <a:schemeClr val="accent1"/>
+          </a:fillRef>
+          <a:effectRef idx="0">
+            <a:schemeClr val="accent1"/>
+          </a:effectRef>
+          <a:fontRef idx="minor">
+            <a:schemeClr val="lt1"/>
+          </a:fontRef>
+        </p:style>
+        <p:txBody>
+          <a:bodyPr rtlCol="1" anchor="ctr"/>
+          <a:lstStyle/>
+          <a:p>
+            <a:pPr algn="ctr"/>
+            <a:endParaRPr lang="he-IL"/>
+          </a:p>
+        </p:txBody>
+      </p:sp>
+      <p:cxnSp>
+        <p:nvCxnSpPr>
+          <p:cNvPr id="166" name="Straight Connector 165"/>
+          <p:cNvCxnSpPr>
+            <a:stCxn id="158" idx="0"/>
+            <a:endCxn id="167" idx="0"/>
+          </p:cNvCxnSpPr>
+          <p:nvPr/>
+        </p:nvCxnSpPr>
+        <p:spPr>
+          <a:xfrm flipH="1">
+            <a:off x="4515592" y="4863539"/>
+            <a:ext cx="38141" cy="795519"/>
+          </a:xfrm>
+          <a:prstGeom prst="line">
+            <a:avLst/>
+          </a:prstGeom>
+          <a:ln w="28575">
+            <a:solidFill>
+              <a:srgbClr val="FFC000"/>
+            </a:solidFill>
+          </a:ln>
+        </p:spPr>
+        <p:style>
+          <a:lnRef idx="1">
+            <a:schemeClr val="accent1"/>
+          </a:lnRef>
+          <a:fillRef idx="0">
+            <a:schemeClr val="accent1"/>
+          </a:fillRef>
+          <a:effectRef idx="0">
+            <a:schemeClr val="accent1"/>
+          </a:effectRef>
+          <a:fontRef idx="minor">
+            <a:schemeClr val="tx1"/>
+          </a:fontRef>
+        </p:style>
+      </p:cxnSp>
+      <p:sp>
+        <p:nvSpPr>
+          <p:cNvPr id="167" name="Oval 166"/>
+          <p:cNvSpPr/>
+          <p:nvPr/>
+        </p:nvSpPr>
+        <p:spPr>
+          <a:xfrm>
+            <a:off x="4309646" y="5659058"/>
+            <a:ext cx="411892" cy="411892"/>
+          </a:xfrm>
+          <a:prstGeom prst="ellipse">
+            <a:avLst/>
+          </a:prstGeom>
+        </p:spPr>
+        <p:style>
+          <a:lnRef idx="2">
+            <a:schemeClr val="accent1">
+              <a:shade val="50000"/>
+            </a:schemeClr>
+          </a:lnRef>
+          <a:fillRef idx="1">
+            <a:schemeClr val="accent1"/>
+          </a:fillRef>
+          <a:effectRef idx="0">
+            <a:schemeClr val="accent1"/>
+          </a:effectRef>
+          <a:fontRef idx="minor">
+            <a:schemeClr val="lt1"/>
+          </a:fontRef>
+        </p:style>
+        <p:txBody>
+          <a:bodyPr rtlCol="1" anchor="ctr"/>
+          <a:lstStyle/>
+          <a:p>
+            <a:pPr algn="ctr"/>
+            <a:endParaRPr lang="he-IL"/>
+          </a:p>
+        </p:txBody>
+      </p:sp>
+      <mc:AlternateContent xmlns:mc="http://schemas.openxmlformats.org/markup-compatibility/2006">
+        <mc:Choice xmlns:a14="http://schemas.microsoft.com/office/drawing/2010/main" Requires="a14">
+          <p:sp>
+            <p:nvSpPr>
+              <p:cNvPr id="168" name="TextBox 167"/>
+              <p:cNvSpPr txBox="1"/>
+              <p:nvPr/>
+            </p:nvSpPr>
+            <p:spPr>
+              <a:xfrm>
+                <a:off x="4622707" y="5102049"/>
+                <a:ext cx="223138" cy="410369"/>
+              </a:xfrm>
+              <a:prstGeom prst="rect">
+                <a:avLst/>
+              </a:prstGeom>
+              <a:noFill/>
+            </p:spPr>
+            <p:txBody>
+              <a:bodyPr wrap="none" rtlCol="1">
+                <a:spAutoFit/>
+              </a:bodyPr>
+              <a:lstStyle/>
+              <a:p>
+                <a14:m>
+                  <m:oMathPara xmlns:m="http://schemas.openxmlformats.org/officeDocument/2006/math">
+                    <m:oMathParaPr>
+                      <m:jc m:val="centerGroup"/>
+                    </m:oMathParaPr>
+                    <m:oMath xmlns:m="http://schemas.openxmlformats.org/officeDocument/2006/math">
+                      <m:f>
+                        <m:fPr>
+                          <m:ctrlPr>
+                            <a:rPr lang="en-US" sz="1100" i="1" dirty="0" smtClean="0">
+                              <a:latin typeface="Cambria Math" panose="02040503050406030204" pitchFamily="18" charset="0"/>
+                            </a:rPr>
+                          </m:ctrlPr>
+                        </m:fPr>
+                        <m:num>
+                          <m:r>
+                            <a:rPr lang="en-US" sz="1100" i="1" dirty="0" smtClean="0">
+                              <a:latin typeface="Cambria Math" panose="02040503050406030204" pitchFamily="18" charset="0"/>
+                            </a:rPr>
+                            <m:t>1</m:t>
+                          </m:r>
+                        </m:num>
+                        <m:den>
+                          <m:r>
+                            <a:rPr lang="en-US" sz="1100" i="1" dirty="0" smtClean="0">
+                              <a:latin typeface="Cambria Math" panose="02040503050406030204" pitchFamily="18" charset="0"/>
+                            </a:rPr>
+                            <m:t>8</m:t>
+                          </m:r>
+                        </m:den>
+                      </m:f>
+                    </m:oMath>
+                  </m:oMathPara>
+                </a14:m>
+                <a:endParaRPr lang="he-IL" sz="1100" dirty="0"/>
+              </a:p>
+            </p:txBody>
+          </p:sp>
+        </mc:Choice>
+        <mc:Fallback>
+          <p:sp>
+            <p:nvSpPr>
+              <p:cNvPr id="168" name="TextBox 167"/>
+              <p:cNvSpPr txBox="1">
+                <a:spLocks noRot="1" noChangeAspect="1" noMove="1" noResize="1" noEditPoints="1" noAdjustHandles="1" noChangeArrowheads="1" noChangeShapeType="1" noTextEdit="1"/>
+              </p:cNvSpPr>
+              <p:nvPr/>
+            </p:nvSpPr>
+            <p:spPr>
+              <a:xfrm>
+                <a:off x="4622707" y="5102049"/>
+                <a:ext cx="223138" cy="410369"/>
+              </a:xfrm>
+              <a:prstGeom prst="rect">
+                <a:avLst/>
+              </a:prstGeom>
+              <a:blipFill rotWithShape="0">
+                <a:blip r:embed="rId3"/>
+                <a:stretch>
+                  <a:fillRect/>
+                </a:stretch>
+              </a:blipFill>
+            </p:spPr>
+            <p:txBody>
+              <a:bodyPr/>
+              <a:lstStyle/>
+              <a:p>
+                <a:r>
+                  <a:rPr lang="he-IL">
+                    <a:noFill/>
+                  </a:rPr>
+                  <a:t> </a:t>
+                </a:r>
+              </a:p>
+            </p:txBody>
+          </p:sp>
+        </mc:Fallback>
+      </mc:AlternateContent>
+      <mc:AlternateContent xmlns:mc="http://schemas.openxmlformats.org/markup-compatibility/2006">
+        <mc:Choice xmlns:a14="http://schemas.microsoft.com/office/drawing/2010/main" Requires="a14">
+          <p:sp>
+            <p:nvSpPr>
+              <p:cNvPr id="169" name="TextBox 168"/>
+              <p:cNvSpPr txBox="1"/>
+              <p:nvPr/>
+            </p:nvSpPr>
+            <p:spPr>
+              <a:xfrm>
+                <a:off x="3493207" y="4896864"/>
+                <a:ext cx="223138" cy="410369"/>
+              </a:xfrm>
+              <a:prstGeom prst="rect">
+                <a:avLst/>
+              </a:prstGeom>
+              <a:noFill/>
+            </p:spPr>
+            <p:txBody>
+              <a:bodyPr wrap="none" rtlCol="1">
+                <a:spAutoFit/>
+              </a:bodyPr>
+              <a:lstStyle/>
+              <a:p>
+                <a14:m>
+                  <m:oMathPara xmlns:m="http://schemas.openxmlformats.org/officeDocument/2006/math">
+                    <m:oMathParaPr>
+                      <m:jc m:val="centerGroup"/>
+                    </m:oMathParaPr>
+                    <m:oMath xmlns:m="http://schemas.openxmlformats.org/officeDocument/2006/math">
+                      <m:f>
+                        <m:fPr>
+                          <m:ctrlPr>
+                            <a:rPr lang="en-US" sz="1100" i="1" dirty="0" smtClean="0">
+                              <a:latin typeface="Cambria Math" panose="02040503050406030204" pitchFamily="18" charset="0"/>
+                            </a:rPr>
+                          </m:ctrlPr>
+                        </m:fPr>
+                        <m:num>
+                          <m:r>
+                            <a:rPr lang="en-US" sz="1100" i="1" dirty="0" smtClean="0">
+                              <a:latin typeface="Cambria Math" panose="02040503050406030204" pitchFamily="18" charset="0"/>
+                            </a:rPr>
+                            <m:t>1</m:t>
+                          </m:r>
+                        </m:num>
+                        <m:den>
+                          <m:r>
+                            <a:rPr lang="en-US" sz="1100" i="1" dirty="0" smtClean="0">
+                              <a:latin typeface="Cambria Math" panose="02040503050406030204" pitchFamily="18" charset="0"/>
+                            </a:rPr>
+                            <m:t>8</m:t>
+                          </m:r>
+                        </m:den>
+                      </m:f>
+                    </m:oMath>
+                  </m:oMathPara>
+                </a14:m>
+                <a:endParaRPr lang="he-IL" sz="1100" dirty="0"/>
+              </a:p>
+            </p:txBody>
+          </p:sp>
+        </mc:Choice>
+        <mc:Fallback>
+          <p:sp>
+            <p:nvSpPr>
+              <p:cNvPr id="169" name="TextBox 168"/>
+              <p:cNvSpPr txBox="1">
+                <a:spLocks noRot="1" noChangeAspect="1" noMove="1" noResize="1" noEditPoints="1" noAdjustHandles="1" noChangeArrowheads="1" noChangeShapeType="1" noTextEdit="1"/>
+              </p:cNvSpPr>
+              <p:nvPr/>
+            </p:nvSpPr>
+            <p:spPr>
+              <a:xfrm>
+                <a:off x="3493207" y="4896864"/>
+                <a:ext cx="223138" cy="410369"/>
+              </a:xfrm>
+              <a:prstGeom prst="rect">
+                <a:avLst/>
+              </a:prstGeom>
+              <a:blipFill rotWithShape="0">
+                <a:blip r:embed="rId4"/>
+                <a:stretch>
+                  <a:fillRect/>
+                </a:stretch>
+              </a:blipFill>
+            </p:spPr>
+            <p:txBody>
+              <a:bodyPr/>
+              <a:lstStyle/>
+              <a:p>
+                <a:r>
+                  <a:rPr lang="he-IL">
+                    <a:noFill/>
+                  </a:rPr>
+                  <a:t> </a:t>
+                </a:r>
+              </a:p>
+            </p:txBody>
+          </p:sp>
+        </mc:Fallback>
+      </mc:AlternateContent>
+      <p:sp>
+        <p:nvSpPr>
+          <p:cNvPr id="170" name="Oval 169"/>
+          <p:cNvSpPr/>
+          <p:nvPr/>
+        </p:nvSpPr>
+        <p:spPr>
+          <a:xfrm>
+            <a:off x="3312388" y="5784247"/>
+            <a:ext cx="134224" cy="134224"/>
+          </a:xfrm>
+          <a:prstGeom prst="ellipse">
+            <a:avLst/>
+          </a:prstGeom>
+          <a:solidFill>
+            <a:schemeClr val="tx1"/>
+          </a:solidFill>
+          <a:ln>
+            <a:solidFill>
+              <a:schemeClr val="tx1"/>
+            </a:solidFill>
+          </a:ln>
+        </p:spPr>
+        <p:style>
+          <a:lnRef idx="2">
+            <a:schemeClr val="accent1">
+              <a:shade val="50000"/>
+            </a:schemeClr>
+          </a:lnRef>
+          <a:fillRef idx="1">
+            <a:schemeClr val="accent1"/>
+          </a:fillRef>
+          <a:effectRef idx="0">
+            <a:schemeClr val="accent1"/>
+          </a:effectRef>
+          <a:fontRef idx="minor">
+            <a:schemeClr val="lt1"/>
+          </a:fontRef>
+        </p:style>
+        <p:txBody>
+          <a:bodyPr rtlCol="1" anchor="ctr"/>
+          <a:lstStyle/>
+          <a:p>
+            <a:pPr algn="ctr"/>
+            <a:endParaRPr lang="he-IL"/>
+          </a:p>
+        </p:txBody>
+      </p:sp>
+      <p:sp>
+        <p:nvSpPr>
+          <p:cNvPr id="171" name="Oval 170"/>
+          <p:cNvSpPr/>
+          <p:nvPr/>
+        </p:nvSpPr>
+        <p:spPr>
+          <a:xfrm>
+            <a:off x="3592236" y="5781375"/>
+            <a:ext cx="134224" cy="134224"/>
+          </a:xfrm>
+          <a:prstGeom prst="ellipse">
+            <a:avLst/>
+          </a:prstGeom>
+          <a:solidFill>
+            <a:schemeClr val="tx1"/>
+          </a:solidFill>
+          <a:ln>
+            <a:solidFill>
+              <a:schemeClr val="tx1"/>
+            </a:solidFill>
+          </a:ln>
+        </p:spPr>
+        <p:style>
+          <a:lnRef idx="2">
+            <a:schemeClr val="accent1">
+              <a:shade val="50000"/>
+            </a:schemeClr>
+          </a:lnRef>
+          <a:fillRef idx="1">
+            <a:schemeClr val="accent1"/>
+          </a:fillRef>
+          <a:effectRef idx="0">
+            <a:schemeClr val="accent1"/>
+          </a:effectRef>
+          <a:fontRef idx="minor">
+            <a:schemeClr val="lt1"/>
+          </a:fontRef>
+        </p:style>
+        <p:txBody>
+          <a:bodyPr rtlCol="1" anchor="ctr"/>
+          <a:lstStyle/>
+          <a:p>
+            <a:pPr algn="ctr"/>
+            <a:endParaRPr lang="he-IL"/>
+          </a:p>
+        </p:txBody>
+      </p:sp>
+      <p:sp>
+        <p:nvSpPr>
+          <p:cNvPr id="172" name="Oval 171"/>
+          <p:cNvSpPr/>
+          <p:nvPr/>
+        </p:nvSpPr>
+        <p:spPr>
+          <a:xfrm>
+            <a:off x="3865562" y="5785570"/>
+            <a:ext cx="134224" cy="134224"/>
+          </a:xfrm>
+          <a:prstGeom prst="ellipse">
+            <a:avLst/>
+          </a:prstGeom>
+          <a:solidFill>
+            <a:schemeClr val="tx1"/>
+          </a:solidFill>
+          <a:ln>
+            <a:solidFill>
+              <a:schemeClr val="tx1"/>
+            </a:solidFill>
+          </a:ln>
+        </p:spPr>
+        <p:style>
+          <a:lnRef idx="2">
+            <a:schemeClr val="accent1">
+              <a:shade val="50000"/>
+            </a:schemeClr>
+          </a:lnRef>
+          <a:fillRef idx="1">
+            <a:schemeClr val="accent1"/>
+          </a:fillRef>
+          <a:effectRef idx="0">
+            <a:schemeClr val="accent1"/>
+          </a:effectRef>
+          <a:fontRef idx="minor">
+            <a:schemeClr val="lt1"/>
+          </a:fontRef>
+        </p:style>
+        <p:txBody>
+          <a:bodyPr rtlCol="1" anchor="ctr"/>
+          <a:lstStyle/>
+          <a:p>
+            <a:pPr algn="ctr"/>
+            <a:endParaRPr lang="he-IL"/>
+          </a:p>
+        </p:txBody>
+      </p:sp>
+      <p:sp>
+        <p:nvSpPr>
+          <p:cNvPr id="176" name="TextBox 175"/>
+          <p:cNvSpPr txBox="1"/>
+          <p:nvPr/>
+        </p:nvSpPr>
+        <p:spPr>
+          <a:xfrm>
+            <a:off x="364176" y="5659721"/>
+            <a:ext cx="705642" cy="400110"/>
+          </a:xfrm>
+          <a:prstGeom prst="rect">
+            <a:avLst/>
+          </a:prstGeom>
+          <a:noFill/>
+        </p:spPr>
+        <p:txBody>
+          <a:bodyPr wrap="none" rtlCol="1">
+            <a:spAutoFit/>
+          </a:bodyPr>
+          <a:lstStyle/>
+          <a:p>
+            <a:r>
+              <a:rPr lang="en-US" sz="2000" b="1" dirty="0" smtClean="0"/>
+              <a:t>MAX</a:t>
+            </a:r>
+            <a:endParaRPr lang="he-IL" sz="2000" b="1" dirty="0"/>
+          </a:p>
+        </p:txBody>
+      </p:sp>
+      <p:sp>
+        <p:nvSpPr>
+          <p:cNvPr id="177" name="Oval 176"/>
+          <p:cNvSpPr/>
+          <p:nvPr/>
+        </p:nvSpPr>
+        <p:spPr>
+          <a:xfrm>
+            <a:off x="5868768" y="5784922"/>
+            <a:ext cx="134224" cy="134224"/>
+          </a:xfrm>
+          <a:prstGeom prst="ellipse">
+            <a:avLst/>
+          </a:prstGeom>
+          <a:solidFill>
+            <a:schemeClr val="tx1"/>
+          </a:solidFill>
+          <a:ln>
+            <a:solidFill>
+              <a:schemeClr val="tx1"/>
+            </a:solidFill>
+          </a:ln>
+        </p:spPr>
+        <p:style>
+          <a:lnRef idx="2">
+            <a:schemeClr val="accent1">
+              <a:shade val="50000"/>
+            </a:schemeClr>
+          </a:lnRef>
+          <a:fillRef idx="1">
+            <a:schemeClr val="accent1"/>
+          </a:fillRef>
+          <a:effectRef idx="0">
+            <a:schemeClr val="accent1"/>
+          </a:effectRef>
+          <a:fontRef idx="minor">
+            <a:schemeClr val="lt1"/>
+          </a:fontRef>
+        </p:style>
+        <p:txBody>
+          <a:bodyPr rtlCol="1" anchor="ctr"/>
+          <a:lstStyle/>
+          <a:p>
+            <a:pPr algn="ctr"/>
+            <a:endParaRPr lang="he-IL"/>
+          </a:p>
+        </p:txBody>
+      </p:sp>
+      <p:sp>
+        <p:nvSpPr>
+          <p:cNvPr id="178" name="Oval 177"/>
+          <p:cNvSpPr/>
+          <p:nvPr/>
+        </p:nvSpPr>
+        <p:spPr>
+          <a:xfrm>
+            <a:off x="6148616" y="5782050"/>
+            <a:ext cx="134224" cy="134224"/>
+          </a:xfrm>
+          <a:prstGeom prst="ellipse">
+            <a:avLst/>
+          </a:prstGeom>
+          <a:solidFill>
+            <a:schemeClr val="tx1"/>
+          </a:solidFill>
+          <a:ln>
+            <a:solidFill>
+              <a:schemeClr val="tx1"/>
+            </a:solidFill>
+          </a:ln>
+        </p:spPr>
+        <p:style>
+          <a:lnRef idx="2">
+            <a:schemeClr val="accent1">
+              <a:shade val="50000"/>
+            </a:schemeClr>
+          </a:lnRef>
+          <a:fillRef idx="1">
+            <a:schemeClr val="accent1"/>
+          </a:fillRef>
+          <a:effectRef idx="0">
+            <a:schemeClr val="accent1"/>
+          </a:effectRef>
+          <a:fontRef idx="minor">
+            <a:schemeClr val="lt1"/>
+          </a:fontRef>
+        </p:style>
+        <p:txBody>
+          <a:bodyPr rtlCol="1" anchor="ctr"/>
+          <a:lstStyle/>
+          <a:p>
+            <a:pPr algn="ctr"/>
+            <a:endParaRPr lang="he-IL"/>
+          </a:p>
+        </p:txBody>
+      </p:sp>
+      <p:sp>
+        <p:nvSpPr>
+          <p:cNvPr id="179" name="Oval 178"/>
+          <p:cNvSpPr/>
+          <p:nvPr/>
+        </p:nvSpPr>
+        <p:spPr>
+          <a:xfrm>
+            <a:off x="6421942" y="5786245"/>
+            <a:ext cx="134224" cy="134224"/>
+          </a:xfrm>
+          <a:prstGeom prst="ellipse">
+            <a:avLst/>
+          </a:prstGeom>
+          <a:solidFill>
+            <a:schemeClr val="tx1"/>
+          </a:solidFill>
+          <a:ln>
+            <a:solidFill>
+              <a:schemeClr val="tx1"/>
+            </a:solidFill>
+          </a:ln>
+        </p:spPr>
+        <p:style>
+          <a:lnRef idx="2">
+            <a:schemeClr val="accent1">
+              <a:shade val="50000"/>
+            </a:schemeClr>
+          </a:lnRef>
+          <a:fillRef idx="1">
+            <a:schemeClr val="accent1"/>
+          </a:fillRef>
+          <a:effectRef idx="0">
+            <a:schemeClr val="accent1"/>
+          </a:effectRef>
+          <a:fontRef idx="minor">
+            <a:schemeClr val="lt1"/>
+          </a:fontRef>
+        </p:style>
+        <p:txBody>
+          <a:bodyPr rtlCol="1" anchor="ctr"/>
+          <a:lstStyle/>
+          <a:p>
+            <a:pPr algn="ctr"/>
+            <a:endParaRPr lang="he-IL"/>
+          </a:p>
+        </p:txBody>
+      </p:sp>
+      <p:sp>
+        <p:nvSpPr>
+          <p:cNvPr id="181" name="Oval 180"/>
+          <p:cNvSpPr/>
+          <p:nvPr/>
+        </p:nvSpPr>
+        <p:spPr>
+          <a:xfrm>
+            <a:off x="5416864" y="2572657"/>
+            <a:ext cx="134224" cy="134224"/>
+          </a:xfrm>
+          <a:prstGeom prst="ellipse">
+            <a:avLst/>
+          </a:prstGeom>
+          <a:solidFill>
+            <a:schemeClr val="tx1"/>
+          </a:solidFill>
+          <a:ln>
+            <a:solidFill>
+              <a:schemeClr val="tx1"/>
+            </a:solidFill>
+          </a:ln>
+        </p:spPr>
+        <p:style>
+          <a:lnRef idx="2">
+            <a:schemeClr val="accent1">
+              <a:shade val="50000"/>
+            </a:schemeClr>
+          </a:lnRef>
+          <a:fillRef idx="1">
+            <a:schemeClr val="accent1"/>
+          </a:fillRef>
+          <a:effectRef idx="0">
+            <a:schemeClr val="accent1"/>
+          </a:effectRef>
+          <a:fontRef idx="minor">
+            <a:schemeClr val="lt1"/>
+          </a:fontRef>
+        </p:style>
+        <p:txBody>
+          <a:bodyPr rtlCol="1" anchor="ctr"/>
+          <a:lstStyle/>
+          <a:p>
+            <a:pPr algn="ctr"/>
+            <a:endParaRPr lang="he-IL"/>
+          </a:p>
+        </p:txBody>
+      </p:sp>
+      <p:sp>
+        <p:nvSpPr>
+          <p:cNvPr id="182" name="Oval 181"/>
+          <p:cNvSpPr/>
+          <p:nvPr/>
+        </p:nvSpPr>
+        <p:spPr>
+          <a:xfrm>
+            <a:off x="5696712" y="2569785"/>
+            <a:ext cx="134224" cy="134224"/>
+          </a:xfrm>
+          <a:prstGeom prst="ellipse">
+            <a:avLst/>
+          </a:prstGeom>
+          <a:solidFill>
+            <a:schemeClr val="tx1"/>
+          </a:solidFill>
+          <a:ln>
+            <a:solidFill>
+              <a:schemeClr val="tx1"/>
+            </a:solidFill>
+          </a:ln>
+        </p:spPr>
+        <p:style>
+          <a:lnRef idx="2">
+            <a:schemeClr val="accent1">
+              <a:shade val="50000"/>
+            </a:schemeClr>
+          </a:lnRef>
+          <a:fillRef idx="1">
+            <a:schemeClr val="accent1"/>
+          </a:fillRef>
+          <a:effectRef idx="0">
+            <a:schemeClr val="accent1"/>
+          </a:effectRef>
+          <a:fontRef idx="minor">
+            <a:schemeClr val="lt1"/>
+          </a:fontRef>
+        </p:style>
+        <p:txBody>
+          <a:bodyPr rtlCol="1" anchor="ctr"/>
+          <a:lstStyle/>
+          <a:p>
+            <a:pPr algn="ctr"/>
+            <a:endParaRPr lang="he-IL"/>
+          </a:p>
+        </p:txBody>
+      </p:sp>
+      <p:sp>
+        <p:nvSpPr>
+          <p:cNvPr id="183" name="Oval 182"/>
+          <p:cNvSpPr/>
+          <p:nvPr/>
+        </p:nvSpPr>
+        <p:spPr>
+          <a:xfrm>
+            <a:off x="5970038" y="2573980"/>
+            <a:ext cx="134224" cy="134224"/>
+          </a:xfrm>
+          <a:prstGeom prst="ellipse">
+            <a:avLst/>
+          </a:prstGeom>
+          <a:solidFill>
+            <a:schemeClr val="tx1"/>
+          </a:solidFill>
+          <a:ln>
+            <a:solidFill>
+              <a:schemeClr val="tx1"/>
+            </a:solidFill>
+          </a:ln>
+        </p:spPr>
+        <p:style>
+          <a:lnRef idx="2">
+            <a:schemeClr val="accent1">
+              <a:shade val="50000"/>
+            </a:schemeClr>
+          </a:lnRef>
+          <a:fillRef idx="1">
+            <a:schemeClr val="accent1"/>
+          </a:fillRef>
+          <a:effectRef idx="0">
+            <a:schemeClr val="accent1"/>
+          </a:effectRef>
+          <a:fontRef idx="minor">
+            <a:schemeClr val="lt1"/>
+          </a:fontRef>
+        </p:style>
+        <p:txBody>
+          <a:bodyPr rtlCol="1" anchor="ctr"/>
+          <a:lstStyle/>
+          <a:p>
+            <a:pPr algn="ctr"/>
+            <a:endParaRPr lang="he-IL"/>
+          </a:p>
+        </p:txBody>
+      </p:sp>
+      <p:sp>
+        <p:nvSpPr>
+          <p:cNvPr id="187" name="Rectangle 186"/>
+          <p:cNvSpPr/>
+          <p:nvPr/>
+        </p:nvSpPr>
+        <p:spPr>
+          <a:xfrm>
+            <a:off x="7042468" y="8005014"/>
+            <a:ext cx="420129" cy="420130"/>
+          </a:xfrm>
+          <a:prstGeom prst="rect">
+            <a:avLst/>
+          </a:prstGeom>
+        </p:spPr>
+        <p:style>
+          <a:lnRef idx="2">
+            <a:schemeClr val="accent1">
+              <a:shade val="50000"/>
+            </a:schemeClr>
+          </a:lnRef>
+          <a:fillRef idx="1">
+            <a:schemeClr val="accent1"/>
+          </a:fillRef>
+          <a:effectRef idx="0">
+            <a:schemeClr val="accent1"/>
+          </a:effectRef>
+          <a:fontRef idx="minor">
+            <a:schemeClr val="lt1"/>
+          </a:fontRef>
+        </p:style>
+        <p:txBody>
+          <a:bodyPr rtlCol="1" anchor="ctr"/>
+          <a:lstStyle/>
+          <a:p>
+            <a:pPr algn="ctr"/>
+            <a:endParaRPr lang="he-IL"/>
+          </a:p>
+        </p:txBody>
+      </p:sp>
+      <p:sp>
+        <p:nvSpPr>
+          <p:cNvPr id="188" name="Rectangle 187"/>
+          <p:cNvSpPr/>
+          <p:nvPr/>
+        </p:nvSpPr>
+        <p:spPr>
+          <a:xfrm>
+            <a:off x="4927376" y="8038113"/>
+            <a:ext cx="420129" cy="420130"/>
+          </a:xfrm>
+          <a:prstGeom prst="rect">
+            <a:avLst/>
+          </a:prstGeom>
+        </p:spPr>
+        <p:style>
+          <a:lnRef idx="2">
+            <a:schemeClr val="accent1">
+              <a:shade val="50000"/>
+            </a:schemeClr>
+          </a:lnRef>
+          <a:fillRef idx="1">
+            <a:schemeClr val="accent1"/>
+          </a:fillRef>
+          <a:effectRef idx="0">
+            <a:schemeClr val="accent1"/>
+          </a:effectRef>
+          <a:fontRef idx="minor">
+            <a:schemeClr val="lt1"/>
+          </a:fontRef>
+        </p:style>
+        <p:txBody>
+          <a:bodyPr rtlCol="1" anchor="ctr"/>
+          <a:lstStyle/>
+          <a:p>
+            <a:pPr algn="ctr"/>
+            <a:endParaRPr lang="he-IL"/>
+          </a:p>
+        </p:txBody>
+      </p:sp>
+      <p:sp>
+        <p:nvSpPr>
+          <p:cNvPr id="191" name="Isosceles Triangle 190"/>
+          <p:cNvSpPr/>
+          <p:nvPr/>
+        </p:nvSpPr>
+        <p:spPr>
+          <a:xfrm rot="10800000">
+            <a:off x="8704933" y="6899233"/>
+            <a:ext cx="573353" cy="494270"/>
+          </a:xfrm>
+          <a:prstGeom prst="triangle">
+            <a:avLst/>
+          </a:prstGeom>
+        </p:spPr>
+        <p:style>
+          <a:lnRef idx="2">
+            <a:schemeClr val="accent1">
+              <a:shade val="50000"/>
+            </a:schemeClr>
+          </a:lnRef>
+          <a:fillRef idx="1">
+            <a:schemeClr val="accent1"/>
+          </a:fillRef>
+          <a:effectRef idx="0">
+            <a:schemeClr val="accent1"/>
+          </a:effectRef>
+          <a:fontRef idx="minor">
+            <a:schemeClr val="lt1"/>
+          </a:fontRef>
+        </p:style>
+        <p:txBody>
+          <a:bodyPr rtlCol="1" anchor="ctr"/>
+          <a:lstStyle/>
+          <a:p>
+            <a:pPr algn="ctr"/>
+            <a:endParaRPr lang="he-IL"/>
+          </a:p>
+        </p:txBody>
+      </p:sp>
+      <p:cxnSp>
+        <p:nvCxnSpPr>
+          <p:cNvPr id="192" name="Straight Connector 191"/>
+          <p:cNvCxnSpPr>
+            <a:stCxn id="191" idx="0"/>
+            <a:endCxn id="200" idx="0"/>
+          </p:cNvCxnSpPr>
+          <p:nvPr/>
+        </p:nvCxnSpPr>
+        <p:spPr>
+          <a:xfrm flipH="1">
+            <a:off x="8120816" y="7393503"/>
+            <a:ext cx="870793" cy="621760"/>
+          </a:xfrm>
+          <a:prstGeom prst="line">
+            <a:avLst/>
+          </a:prstGeom>
+          <a:ln w="28575">
+            <a:solidFill>
+              <a:srgbClr val="FFC000"/>
+            </a:solidFill>
+          </a:ln>
+        </p:spPr>
+        <p:style>
+          <a:lnRef idx="1">
+            <a:schemeClr val="accent1"/>
+          </a:lnRef>
+          <a:fillRef idx="0">
+            <a:schemeClr val="accent1"/>
+          </a:fillRef>
+          <a:effectRef idx="0">
+            <a:schemeClr val="accent1"/>
+          </a:effectRef>
+          <a:fontRef idx="minor">
+            <a:schemeClr val="tx1"/>
+          </a:fontRef>
+        </p:style>
+      </p:cxnSp>
+      <p:cxnSp>
+        <p:nvCxnSpPr>
+          <p:cNvPr id="193" name="Straight Connector 192"/>
+          <p:cNvCxnSpPr>
+            <a:stCxn id="191" idx="0"/>
+            <a:endCxn id="201" idx="0"/>
+          </p:cNvCxnSpPr>
+          <p:nvPr/>
+        </p:nvCxnSpPr>
+        <p:spPr>
+          <a:xfrm>
+            <a:off x="8991609" y="7393503"/>
+            <a:ext cx="701444" cy="609825"/>
+          </a:xfrm>
+          <a:prstGeom prst="line">
+            <a:avLst/>
+          </a:prstGeom>
+          <a:ln w="28575">
+            <a:solidFill>
+              <a:srgbClr val="FFC000"/>
+            </a:solidFill>
+          </a:ln>
+        </p:spPr>
+        <p:style>
+          <a:lnRef idx="1">
+            <a:schemeClr val="accent1"/>
+          </a:lnRef>
+          <a:fillRef idx="0">
+            <a:schemeClr val="accent1"/>
+          </a:fillRef>
+          <a:effectRef idx="0">
+            <a:schemeClr val="accent1"/>
+          </a:effectRef>
+          <a:fontRef idx="minor">
+            <a:schemeClr val="tx1"/>
+          </a:fontRef>
+        </p:style>
+      </p:cxnSp>
+      <mc:AlternateContent xmlns:mc="http://schemas.openxmlformats.org/markup-compatibility/2006">
+        <mc:Choice xmlns:a14="http://schemas.microsoft.com/office/drawing/2010/main" Requires="a14">
+          <p:sp>
+            <p:nvSpPr>
+              <p:cNvPr id="194" name="TextBox 193"/>
+              <p:cNvSpPr txBox="1"/>
+              <p:nvPr/>
+            </p:nvSpPr>
+            <p:spPr>
+              <a:xfrm>
+                <a:off x="9371419" y="7393502"/>
+                <a:ext cx="223138" cy="410369"/>
+              </a:xfrm>
+              <a:prstGeom prst="rect">
+                <a:avLst/>
+              </a:prstGeom>
+              <a:noFill/>
+            </p:spPr>
+            <p:txBody>
+              <a:bodyPr wrap="none" rtlCol="1">
+                <a:spAutoFit/>
+              </a:bodyPr>
+              <a:lstStyle/>
+              <a:p>
+                <a14:m>
+                  <m:oMathPara xmlns:m="http://schemas.openxmlformats.org/officeDocument/2006/math">
+                    <m:oMathParaPr>
+                      <m:jc m:val="centerGroup"/>
+                    </m:oMathParaPr>
+                    <m:oMath xmlns:m="http://schemas.openxmlformats.org/officeDocument/2006/math">
+                      <m:f>
+                        <m:fPr>
+                          <m:ctrlPr>
+                            <a:rPr lang="en-US" sz="1100" i="1" dirty="0" smtClean="0">
+                              <a:latin typeface="Cambria Math" panose="02040503050406030204" pitchFamily="18" charset="0"/>
+                            </a:rPr>
+                          </m:ctrlPr>
+                        </m:fPr>
+                        <m:num>
+                          <m:r>
+                            <a:rPr lang="en-US" sz="1100" i="1" dirty="0" smtClean="0">
+                              <a:latin typeface="Cambria Math" panose="02040503050406030204" pitchFamily="18" charset="0"/>
+                            </a:rPr>
+                            <m:t>1</m:t>
+                          </m:r>
+                        </m:num>
+                        <m:den>
+                          <m:r>
+                            <a:rPr lang="en-US" sz="1100" i="1" dirty="0" smtClean="0">
+                              <a:latin typeface="Cambria Math" panose="02040503050406030204" pitchFamily="18" charset="0"/>
+                            </a:rPr>
+                            <m:t>8</m:t>
+                          </m:r>
+                        </m:den>
+                      </m:f>
+                    </m:oMath>
+                  </m:oMathPara>
+                </a14:m>
+                <a:endParaRPr lang="he-IL" sz="1100" dirty="0"/>
+              </a:p>
+            </p:txBody>
+          </p:sp>
+        </mc:Choice>
+        <mc:Fallback>
+          <p:sp>
+            <p:nvSpPr>
+              <p:cNvPr id="194" name="TextBox 193"/>
+              <p:cNvSpPr txBox="1">
+                <a:spLocks noRot="1" noChangeAspect="1" noMove="1" noResize="1" noEditPoints="1" noAdjustHandles="1" noChangeArrowheads="1" noChangeShapeType="1" noTextEdit="1"/>
+              </p:cNvSpPr>
+              <p:nvPr/>
+            </p:nvSpPr>
+            <p:spPr>
+              <a:xfrm>
+                <a:off x="9371419" y="7393502"/>
+                <a:ext cx="223138" cy="410369"/>
+              </a:xfrm>
+              <a:prstGeom prst="rect">
+                <a:avLst/>
+              </a:prstGeom>
+              <a:blipFill rotWithShape="0">
+                <a:blip r:embed="rId3"/>
+                <a:stretch>
+                  <a:fillRect/>
+                </a:stretch>
+              </a:blipFill>
+            </p:spPr>
+            <p:txBody>
+              <a:bodyPr/>
+              <a:lstStyle/>
+              <a:p>
+                <a:r>
+                  <a:rPr lang="he-IL">
+                    <a:noFill/>
+                  </a:rPr>
+                  <a:t> </a:t>
+                </a:r>
+              </a:p>
+            </p:txBody>
+          </p:sp>
+        </mc:Fallback>
+      </mc:AlternateContent>
+      <p:sp>
+        <p:nvSpPr>
+          <p:cNvPr id="195" name="TextBox 194"/>
+          <p:cNvSpPr txBox="1"/>
+          <p:nvPr/>
+        </p:nvSpPr>
+        <p:spPr>
+          <a:xfrm>
+            <a:off x="9147839" y="6895925"/>
+            <a:ext cx="780085" cy="400110"/>
+          </a:xfrm>
+          <a:prstGeom prst="rect">
+            <a:avLst/>
+          </a:prstGeom>
+          <a:noFill/>
+        </p:spPr>
+        <p:txBody>
+          <a:bodyPr wrap="none" rtlCol="1">
+            <a:spAutoFit/>
+          </a:bodyPr>
+          <a:lstStyle/>
+          <a:p>
+            <a:r>
+              <a:rPr lang="en-US" sz="2000" b="1" dirty="0" smtClean="0"/>
+              <a:t>PROB</a:t>
+            </a:r>
+            <a:endParaRPr lang="he-IL" sz="2000" b="1" dirty="0"/>
+          </a:p>
+        </p:txBody>
+      </p:sp>
+      <mc:AlternateContent xmlns:mc="http://schemas.openxmlformats.org/markup-compatibility/2006">
+        <mc:Choice xmlns:a14="http://schemas.microsoft.com/office/drawing/2010/main" Requires="a14">
+          <p:sp>
+            <p:nvSpPr>
+              <p:cNvPr id="196" name="TextBox 195"/>
+              <p:cNvSpPr txBox="1"/>
+              <p:nvPr/>
+            </p:nvSpPr>
+            <p:spPr>
+              <a:xfrm>
+                <a:off x="8223893" y="7353722"/>
+                <a:ext cx="223138" cy="410369"/>
+              </a:xfrm>
+              <a:prstGeom prst="rect">
+                <a:avLst/>
+              </a:prstGeom>
+              <a:noFill/>
+            </p:spPr>
+            <p:txBody>
+              <a:bodyPr wrap="none" rtlCol="1">
+                <a:spAutoFit/>
+              </a:bodyPr>
+              <a:lstStyle/>
+              <a:p>
+                <a14:m>
+                  <m:oMathPara xmlns:m="http://schemas.openxmlformats.org/officeDocument/2006/math">
+                    <m:oMathParaPr>
+                      <m:jc m:val="centerGroup"/>
+                    </m:oMathParaPr>
+                    <m:oMath xmlns:m="http://schemas.openxmlformats.org/officeDocument/2006/math">
+                      <m:f>
+                        <m:fPr>
+                          <m:ctrlPr>
+                            <a:rPr lang="en-US" sz="1100" i="1" dirty="0" smtClean="0">
+                              <a:latin typeface="Cambria Math" panose="02040503050406030204" pitchFamily="18" charset="0"/>
+                            </a:rPr>
+                          </m:ctrlPr>
+                        </m:fPr>
+                        <m:num>
+                          <m:r>
+                            <a:rPr lang="en-US" sz="1100" i="1" dirty="0" smtClean="0">
+                              <a:latin typeface="Cambria Math" panose="02040503050406030204" pitchFamily="18" charset="0"/>
+                            </a:rPr>
+                            <m:t>1</m:t>
+                          </m:r>
+                        </m:num>
+                        <m:den>
+                          <m:r>
+                            <a:rPr lang="en-US" sz="1100" i="1" dirty="0" smtClean="0">
+                              <a:latin typeface="Cambria Math" panose="02040503050406030204" pitchFamily="18" charset="0"/>
+                            </a:rPr>
+                            <m:t>8</m:t>
+                          </m:r>
+                        </m:den>
+                      </m:f>
+                    </m:oMath>
+                  </m:oMathPara>
+                </a14:m>
+                <a:endParaRPr lang="he-IL" sz="1100" dirty="0"/>
+              </a:p>
+            </p:txBody>
+          </p:sp>
+        </mc:Choice>
+        <mc:Fallback>
+          <p:sp>
+            <p:nvSpPr>
+              <p:cNvPr id="196" name="TextBox 195"/>
+              <p:cNvSpPr txBox="1">
+                <a:spLocks noRot="1" noChangeAspect="1" noMove="1" noResize="1" noEditPoints="1" noAdjustHandles="1" noChangeArrowheads="1" noChangeShapeType="1" noTextEdit="1"/>
+              </p:cNvSpPr>
+              <p:nvPr/>
+            </p:nvSpPr>
+            <p:spPr>
+              <a:xfrm>
+                <a:off x="8223893" y="7353722"/>
+                <a:ext cx="223138" cy="410369"/>
+              </a:xfrm>
+              <a:prstGeom prst="rect">
+                <a:avLst/>
+              </a:prstGeom>
+              <a:blipFill rotWithShape="0">
+                <a:blip r:embed="rId4"/>
+                <a:stretch>
+                  <a:fillRect/>
+                </a:stretch>
+              </a:blipFill>
+            </p:spPr>
+            <p:txBody>
+              <a:bodyPr/>
+              <a:lstStyle/>
+              <a:p>
+                <a:r>
+                  <a:rPr lang="he-IL">
+                    <a:noFill/>
+                  </a:rPr>
+                  <a:t> </a:t>
+                </a:r>
+              </a:p>
+            </p:txBody>
+          </p:sp>
+        </mc:Fallback>
+      </mc:AlternateContent>
+      <p:sp>
+        <p:nvSpPr>
+          <p:cNvPr id="197" name="Oval 196"/>
+          <p:cNvSpPr/>
+          <p:nvPr/>
+        </p:nvSpPr>
+        <p:spPr>
+          <a:xfrm>
+            <a:off x="8547593" y="8142400"/>
+            <a:ext cx="134224" cy="134224"/>
+          </a:xfrm>
+          <a:prstGeom prst="ellipse">
+            <a:avLst/>
+          </a:prstGeom>
+          <a:solidFill>
+            <a:schemeClr val="tx1"/>
+          </a:solidFill>
+          <a:ln>
+            <a:solidFill>
+              <a:schemeClr val="tx1"/>
+            </a:solidFill>
+          </a:ln>
+        </p:spPr>
+        <p:style>
+          <a:lnRef idx="2">
+            <a:schemeClr val="accent1">
+              <a:shade val="50000"/>
+            </a:schemeClr>
+          </a:lnRef>
+          <a:fillRef idx="1">
+            <a:schemeClr val="accent1"/>
+          </a:fillRef>
+          <a:effectRef idx="0">
+            <a:schemeClr val="accent1"/>
+          </a:effectRef>
+          <a:fontRef idx="minor">
+            <a:schemeClr val="lt1"/>
+          </a:fontRef>
+        </p:style>
+        <p:txBody>
+          <a:bodyPr rtlCol="1" anchor="ctr"/>
+          <a:lstStyle/>
+          <a:p>
+            <a:pPr algn="ctr"/>
+            <a:endParaRPr lang="he-IL"/>
+          </a:p>
+        </p:txBody>
+      </p:sp>
+      <p:sp>
+        <p:nvSpPr>
+          <p:cNvPr id="198" name="Oval 197"/>
+          <p:cNvSpPr/>
+          <p:nvPr/>
+        </p:nvSpPr>
+        <p:spPr>
+          <a:xfrm>
+            <a:off x="8827441" y="8139528"/>
+            <a:ext cx="134224" cy="134224"/>
+          </a:xfrm>
+          <a:prstGeom prst="ellipse">
+            <a:avLst/>
+          </a:prstGeom>
+          <a:solidFill>
+            <a:schemeClr val="tx1"/>
+          </a:solidFill>
+          <a:ln>
+            <a:solidFill>
+              <a:schemeClr val="tx1"/>
+            </a:solidFill>
+          </a:ln>
+        </p:spPr>
+        <p:style>
+          <a:lnRef idx="2">
+            <a:schemeClr val="accent1">
+              <a:shade val="50000"/>
+            </a:schemeClr>
+          </a:lnRef>
+          <a:fillRef idx="1">
+            <a:schemeClr val="accent1"/>
+          </a:fillRef>
+          <a:effectRef idx="0">
+            <a:schemeClr val="accent1"/>
+          </a:effectRef>
+          <a:fontRef idx="minor">
+            <a:schemeClr val="lt1"/>
+          </a:fontRef>
+        </p:style>
+        <p:txBody>
+          <a:bodyPr rtlCol="1" anchor="ctr"/>
+          <a:lstStyle/>
+          <a:p>
+            <a:pPr algn="ctr"/>
+            <a:endParaRPr lang="he-IL"/>
+          </a:p>
+        </p:txBody>
+      </p:sp>
+      <p:sp>
+        <p:nvSpPr>
+          <p:cNvPr id="199" name="Oval 198"/>
+          <p:cNvSpPr/>
+          <p:nvPr/>
+        </p:nvSpPr>
+        <p:spPr>
+          <a:xfrm>
+            <a:off x="9100767" y="8143723"/>
+            <a:ext cx="134224" cy="134224"/>
+          </a:xfrm>
+          <a:prstGeom prst="ellipse">
+            <a:avLst/>
+          </a:prstGeom>
+          <a:solidFill>
+            <a:schemeClr val="tx1"/>
+          </a:solidFill>
+          <a:ln>
+            <a:solidFill>
+              <a:schemeClr val="tx1"/>
+            </a:solidFill>
+          </a:ln>
+        </p:spPr>
+        <p:style>
+          <a:lnRef idx="2">
+            <a:schemeClr val="accent1">
+              <a:shade val="50000"/>
+            </a:schemeClr>
+          </a:lnRef>
+          <a:fillRef idx="1">
+            <a:schemeClr val="accent1"/>
+          </a:fillRef>
+          <a:effectRef idx="0">
+            <a:schemeClr val="accent1"/>
+          </a:effectRef>
+          <a:fontRef idx="minor">
+            <a:schemeClr val="lt1"/>
+          </a:fontRef>
+        </p:style>
+        <p:txBody>
+          <a:bodyPr rtlCol="1" anchor="ctr"/>
+          <a:lstStyle/>
+          <a:p>
+            <a:pPr algn="ctr"/>
+            <a:endParaRPr lang="he-IL"/>
+          </a:p>
+        </p:txBody>
+      </p:sp>
+      <p:sp>
+        <p:nvSpPr>
+          <p:cNvPr id="200" name="Rectangle 199"/>
+          <p:cNvSpPr/>
+          <p:nvPr/>
+        </p:nvSpPr>
+        <p:spPr>
+          <a:xfrm>
+            <a:off x="7910751" y="8015263"/>
+            <a:ext cx="420129" cy="420130"/>
+          </a:xfrm>
+          <a:prstGeom prst="rect">
+            <a:avLst/>
+          </a:prstGeom>
+        </p:spPr>
+        <p:style>
+          <a:lnRef idx="2">
+            <a:schemeClr val="accent1">
+              <a:shade val="50000"/>
+            </a:schemeClr>
+          </a:lnRef>
+          <a:fillRef idx="1">
+            <a:schemeClr val="accent1"/>
+          </a:fillRef>
+          <a:effectRef idx="0">
+            <a:schemeClr val="accent1"/>
+          </a:effectRef>
+          <a:fontRef idx="minor">
+            <a:schemeClr val="lt1"/>
+          </a:fontRef>
+        </p:style>
+        <p:txBody>
+          <a:bodyPr rtlCol="1" anchor="ctr"/>
+          <a:lstStyle/>
+          <a:p>
+            <a:pPr algn="ctr"/>
+            <a:endParaRPr lang="he-IL"/>
+          </a:p>
+        </p:txBody>
+      </p:sp>
+      <p:sp>
+        <p:nvSpPr>
+          <p:cNvPr id="201" name="Rectangle 200"/>
+          <p:cNvSpPr/>
+          <p:nvPr/>
+        </p:nvSpPr>
+        <p:spPr>
+          <a:xfrm>
+            <a:off x="9482988" y="8003328"/>
+            <a:ext cx="420129" cy="420130"/>
+          </a:xfrm>
+          <a:prstGeom prst="rect">
+            <a:avLst/>
+          </a:prstGeom>
+        </p:spPr>
+        <p:style>
+          <a:lnRef idx="2">
+            <a:schemeClr val="accent1">
+              <a:shade val="50000"/>
+            </a:schemeClr>
+          </a:lnRef>
+          <a:fillRef idx="1">
+            <a:schemeClr val="accent1"/>
+          </a:fillRef>
+          <a:effectRef idx="0">
+            <a:schemeClr val="accent1"/>
+          </a:effectRef>
+          <a:fontRef idx="minor">
+            <a:schemeClr val="lt1"/>
+          </a:fontRef>
+        </p:style>
+        <p:txBody>
+          <a:bodyPr rtlCol="1" anchor="ctr"/>
+          <a:lstStyle/>
+          <a:p>
+            <a:pPr algn="ctr"/>
+            <a:endParaRPr lang="he-IL"/>
+          </a:p>
+        </p:txBody>
+      </p:sp>
+      <p:sp>
+        <p:nvSpPr>
+          <p:cNvPr id="202" name="Oval 201"/>
+          <p:cNvSpPr/>
+          <p:nvPr/>
+        </p:nvSpPr>
+        <p:spPr>
+          <a:xfrm>
+            <a:off x="5836993" y="8114798"/>
+            <a:ext cx="134224" cy="134224"/>
+          </a:xfrm>
+          <a:prstGeom prst="ellipse">
+            <a:avLst/>
+          </a:prstGeom>
+          <a:solidFill>
+            <a:schemeClr val="tx1"/>
+          </a:solidFill>
+          <a:ln>
+            <a:solidFill>
+              <a:schemeClr val="tx1"/>
+            </a:solidFill>
+          </a:ln>
+        </p:spPr>
+        <p:style>
+          <a:lnRef idx="2">
+            <a:schemeClr val="accent1">
+              <a:shade val="50000"/>
+            </a:schemeClr>
+          </a:lnRef>
+          <a:fillRef idx="1">
+            <a:schemeClr val="accent1"/>
+          </a:fillRef>
+          <a:effectRef idx="0">
+            <a:schemeClr val="accent1"/>
+          </a:effectRef>
+          <a:fontRef idx="minor">
+            <a:schemeClr val="lt1"/>
+          </a:fontRef>
+        </p:style>
+        <p:txBody>
+          <a:bodyPr rtlCol="1" anchor="ctr"/>
+          <a:lstStyle/>
+          <a:p>
+            <a:pPr algn="ctr"/>
+            <a:endParaRPr lang="he-IL"/>
+          </a:p>
+        </p:txBody>
+      </p:sp>
+      <p:sp>
+        <p:nvSpPr>
+          <p:cNvPr id="203" name="Oval 202"/>
+          <p:cNvSpPr/>
+          <p:nvPr/>
+        </p:nvSpPr>
+        <p:spPr>
+          <a:xfrm>
+            <a:off x="6116841" y="8111926"/>
+            <a:ext cx="134224" cy="134224"/>
+          </a:xfrm>
+          <a:prstGeom prst="ellipse">
+            <a:avLst/>
+          </a:prstGeom>
+          <a:solidFill>
+            <a:schemeClr val="tx1"/>
+          </a:solidFill>
+          <a:ln>
+            <a:solidFill>
+              <a:schemeClr val="tx1"/>
+            </a:solidFill>
+          </a:ln>
+        </p:spPr>
+        <p:style>
+          <a:lnRef idx="2">
+            <a:schemeClr val="accent1">
+              <a:shade val="50000"/>
+            </a:schemeClr>
+          </a:lnRef>
+          <a:fillRef idx="1">
+            <a:schemeClr val="accent1"/>
+          </a:fillRef>
+          <a:effectRef idx="0">
+            <a:schemeClr val="accent1"/>
+          </a:effectRef>
+          <a:fontRef idx="minor">
+            <a:schemeClr val="lt1"/>
+          </a:fontRef>
+        </p:style>
+        <p:txBody>
+          <a:bodyPr rtlCol="1" anchor="ctr"/>
+          <a:lstStyle/>
+          <a:p>
+            <a:pPr algn="ctr"/>
+            <a:endParaRPr lang="he-IL"/>
+          </a:p>
+        </p:txBody>
+      </p:sp>
+      <p:sp>
+        <p:nvSpPr>
+          <p:cNvPr id="204" name="Oval 203"/>
+          <p:cNvSpPr/>
+          <p:nvPr/>
+        </p:nvSpPr>
+        <p:spPr>
+          <a:xfrm>
+            <a:off x="6390167" y="8116121"/>
+            <a:ext cx="134224" cy="134224"/>
+          </a:xfrm>
+          <a:prstGeom prst="ellipse">
+            <a:avLst/>
+          </a:prstGeom>
+          <a:solidFill>
+            <a:schemeClr val="tx1"/>
+          </a:solidFill>
+          <a:ln>
+            <a:solidFill>
+              <a:schemeClr val="tx1"/>
+            </a:solidFill>
+          </a:ln>
+        </p:spPr>
+        <p:style>
+          <a:lnRef idx="2">
+            <a:schemeClr val="accent1">
+              <a:shade val="50000"/>
+            </a:schemeClr>
+          </a:lnRef>
+          <a:fillRef idx="1">
+            <a:schemeClr val="accent1"/>
+          </a:fillRef>
+          <a:effectRef idx="0">
+            <a:schemeClr val="accent1"/>
+          </a:effectRef>
+          <a:fontRef idx="minor">
+            <a:schemeClr val="lt1"/>
+          </a:fontRef>
+        </p:style>
+        <p:txBody>
+          <a:bodyPr rtlCol="1" anchor="ctr"/>
+          <a:lstStyle/>
+          <a:p>
+            <a:pPr algn="ctr"/>
+            <a:endParaRPr lang="he-IL"/>
+          </a:p>
+        </p:txBody>
+      </p:sp>
+      <p:cxnSp>
+        <p:nvCxnSpPr>
+          <p:cNvPr id="205" name="Straight Connector 204"/>
+          <p:cNvCxnSpPr>
+            <a:stCxn id="72" idx="4"/>
+            <a:endCxn id="191" idx="3"/>
+          </p:cNvCxnSpPr>
+          <p:nvPr/>
+        </p:nvCxnSpPr>
+        <p:spPr>
+          <a:xfrm>
+            <a:off x="8922745" y="6101228"/>
+            <a:ext cx="68864" cy="798005"/>
+          </a:xfrm>
+          <a:prstGeom prst="line">
+            <a:avLst/>
+          </a:prstGeom>
+          <a:ln w="28575">
+            <a:solidFill>
+              <a:srgbClr val="FFC000"/>
+            </a:solidFill>
+          </a:ln>
+        </p:spPr>
+        <p:style>
+          <a:lnRef idx="1">
+            <a:schemeClr val="accent1"/>
+          </a:lnRef>
+          <a:fillRef idx="0">
+            <a:schemeClr val="accent1"/>
+          </a:fillRef>
+          <a:effectRef idx="0">
+            <a:schemeClr val="accent1"/>
+          </a:effectRef>
+          <a:fontRef idx="minor">
+            <a:schemeClr val="tx1"/>
+          </a:fontRef>
+        </p:style>
+      </p:cxnSp>
+      <p:cxnSp>
+        <p:nvCxnSpPr>
+          <p:cNvPr id="208" name="Straight Connector 207"/>
+          <p:cNvCxnSpPr>
+            <a:stCxn id="72" idx="4"/>
+            <a:endCxn id="187" idx="0"/>
+          </p:cNvCxnSpPr>
+          <p:nvPr/>
+        </p:nvCxnSpPr>
+        <p:spPr>
+          <a:xfrm flipH="1">
+            <a:off x="7252533" y="6101228"/>
+            <a:ext cx="1670212" cy="1903786"/>
+          </a:xfrm>
+          <a:prstGeom prst="line">
+            <a:avLst/>
+          </a:prstGeom>
+          <a:ln w="28575">
+            <a:solidFill>
+              <a:srgbClr val="FFC000"/>
+            </a:solidFill>
+          </a:ln>
+        </p:spPr>
+        <p:style>
+          <a:lnRef idx="1">
+            <a:schemeClr val="accent1"/>
+          </a:lnRef>
+          <a:fillRef idx="0">
+            <a:schemeClr val="accent1"/>
+          </a:fillRef>
+          <a:effectRef idx="0">
+            <a:schemeClr val="accent1"/>
+          </a:effectRef>
+          <a:fontRef idx="minor">
+            <a:schemeClr val="tx1"/>
+          </a:fontRef>
+        </p:style>
+      </p:cxnSp>
+      <p:cxnSp>
+        <p:nvCxnSpPr>
+          <p:cNvPr id="211" name="Straight Connector 210"/>
+          <p:cNvCxnSpPr>
+            <a:stCxn id="72" idx="4"/>
+            <a:endCxn id="188" idx="0"/>
+          </p:cNvCxnSpPr>
+          <p:nvPr/>
+        </p:nvCxnSpPr>
+        <p:spPr>
+          <a:xfrm flipH="1">
+            <a:off x="5137441" y="6101228"/>
+            <a:ext cx="3785304" cy="1936885"/>
+          </a:xfrm>
+          <a:prstGeom prst="line">
+            <a:avLst/>
+          </a:prstGeom>
+          <a:ln w="28575">
+            <a:solidFill>
+              <a:srgbClr val="FFC000"/>
+            </a:solidFill>
+          </a:ln>
+        </p:spPr>
+        <p:style>
+          <a:lnRef idx="1">
+            <a:schemeClr val="accent1"/>
+          </a:lnRef>
+          <a:fillRef idx="0">
+            <a:schemeClr val="accent1"/>
+          </a:fillRef>
+          <a:effectRef idx="0">
+            <a:schemeClr val="accent1"/>
+          </a:effectRef>
+          <a:fontRef idx="minor">
+            <a:schemeClr val="tx1"/>
+          </a:fontRef>
+        </p:style>
+      </p:cxnSp>
+      <p:sp>
+        <p:nvSpPr>
+          <p:cNvPr id="214" name="Isosceles Triangle 213"/>
+          <p:cNvSpPr/>
+          <p:nvPr/>
+        </p:nvSpPr>
+        <p:spPr>
+          <a:xfrm rot="10800000">
+            <a:off x="8254701" y="9254467"/>
+            <a:ext cx="573353" cy="494270"/>
+          </a:xfrm>
+          <a:prstGeom prst="triangle">
+            <a:avLst/>
+          </a:prstGeom>
+        </p:spPr>
+        <p:style>
+          <a:lnRef idx="2">
+            <a:schemeClr val="accent1">
+              <a:shade val="50000"/>
+            </a:schemeClr>
+          </a:lnRef>
+          <a:fillRef idx="1">
+            <a:schemeClr val="accent1"/>
+          </a:fillRef>
+          <a:effectRef idx="0">
+            <a:schemeClr val="accent1"/>
+          </a:effectRef>
+          <a:fontRef idx="minor">
+            <a:schemeClr val="lt1"/>
+          </a:fontRef>
+        </p:style>
+        <p:txBody>
+          <a:bodyPr rtlCol="1" anchor="ctr"/>
+          <a:lstStyle/>
+          <a:p>
+            <a:pPr algn="ctr"/>
+            <a:endParaRPr lang="he-IL"/>
+          </a:p>
+        </p:txBody>
+      </p:sp>
+      <p:cxnSp>
+        <p:nvCxnSpPr>
+          <p:cNvPr id="215" name="Straight Connector 214"/>
+          <p:cNvCxnSpPr>
+            <a:stCxn id="187" idx="2"/>
+            <a:endCxn id="216" idx="7"/>
+          </p:cNvCxnSpPr>
+          <p:nvPr/>
+        </p:nvCxnSpPr>
+        <p:spPr>
+          <a:xfrm flipH="1">
+            <a:off x="5727394" y="8425144"/>
+            <a:ext cx="1525139" cy="2214538"/>
+          </a:xfrm>
+          <a:prstGeom prst="line">
+            <a:avLst/>
+          </a:prstGeom>
+          <a:ln w="28575">
+            <a:solidFill>
+              <a:srgbClr val="FFC000"/>
+            </a:solidFill>
+          </a:ln>
+        </p:spPr>
+        <p:style>
+          <a:lnRef idx="1">
+            <a:schemeClr val="accent1"/>
+          </a:lnRef>
+          <a:fillRef idx="0">
+            <a:schemeClr val="accent1"/>
+          </a:fillRef>
+          <a:effectRef idx="0">
+            <a:schemeClr val="accent1"/>
+          </a:effectRef>
+          <a:fontRef idx="minor">
+            <a:schemeClr val="tx1"/>
+          </a:fontRef>
+        </p:style>
+      </p:cxnSp>
+      <p:sp>
+        <p:nvSpPr>
+          <p:cNvPr id="216" name="Oval 215"/>
+          <p:cNvSpPr/>
+          <p:nvPr/>
+        </p:nvSpPr>
+        <p:spPr>
+          <a:xfrm>
+            <a:off x="5375822" y="10579362"/>
+            <a:ext cx="411892" cy="411892"/>
+          </a:xfrm>
+          <a:prstGeom prst="ellipse">
+            <a:avLst/>
+          </a:prstGeom>
+        </p:spPr>
+        <p:style>
+          <a:lnRef idx="2">
+            <a:schemeClr val="accent1">
+              <a:shade val="50000"/>
+            </a:schemeClr>
+          </a:lnRef>
+          <a:fillRef idx="1">
+            <a:schemeClr val="accent1"/>
+          </a:fillRef>
+          <a:effectRef idx="0">
+            <a:schemeClr val="accent1"/>
+          </a:effectRef>
+          <a:fontRef idx="minor">
+            <a:schemeClr val="lt1"/>
+          </a:fontRef>
+        </p:style>
+        <p:txBody>
+          <a:bodyPr rtlCol="1" anchor="ctr"/>
+          <a:lstStyle/>
+          <a:p>
+            <a:pPr algn="ctr"/>
+            <a:endParaRPr lang="he-IL"/>
+          </a:p>
+        </p:txBody>
+      </p:sp>
+      <p:cxnSp>
+        <p:nvCxnSpPr>
+          <p:cNvPr id="217" name="Straight Connector 216"/>
+          <p:cNvCxnSpPr>
+            <a:stCxn id="187" idx="2"/>
+            <a:endCxn id="214" idx="3"/>
+          </p:cNvCxnSpPr>
+          <p:nvPr/>
+        </p:nvCxnSpPr>
+        <p:spPr>
+          <a:xfrm>
+            <a:off x="7252533" y="8425144"/>
+            <a:ext cx="1288844" cy="829323"/>
+          </a:xfrm>
+          <a:prstGeom prst="line">
+            <a:avLst/>
+          </a:prstGeom>
+          <a:ln w="28575">
+            <a:solidFill>
+              <a:srgbClr val="FFC000"/>
+            </a:solidFill>
+          </a:ln>
+        </p:spPr>
+        <p:style>
+          <a:lnRef idx="1">
+            <a:schemeClr val="accent1"/>
+          </a:lnRef>
+          <a:fillRef idx="0">
+            <a:schemeClr val="accent1"/>
+          </a:fillRef>
+          <a:effectRef idx="0">
+            <a:schemeClr val="accent1"/>
+          </a:effectRef>
+          <a:fontRef idx="minor">
+            <a:schemeClr val="tx1"/>
+          </a:fontRef>
+        </p:style>
+      </p:cxnSp>
+      <p:cxnSp>
+        <p:nvCxnSpPr>
+          <p:cNvPr id="218" name="Straight Connector 217"/>
+          <p:cNvCxnSpPr>
+            <a:stCxn id="214" idx="0"/>
+            <a:endCxn id="219" idx="0"/>
+          </p:cNvCxnSpPr>
+          <p:nvPr/>
+        </p:nvCxnSpPr>
+        <p:spPr>
+          <a:xfrm flipH="1">
+            <a:off x="7654788" y="9748737"/>
+            <a:ext cx="886589" cy="837043"/>
+          </a:xfrm>
+          <a:prstGeom prst="line">
+            <a:avLst/>
+          </a:prstGeom>
+          <a:ln w="28575">
+            <a:solidFill>
+              <a:srgbClr val="FFC000"/>
+            </a:solidFill>
+          </a:ln>
+        </p:spPr>
+        <p:style>
+          <a:lnRef idx="1">
+            <a:schemeClr val="accent1"/>
+          </a:lnRef>
+          <a:fillRef idx="0">
+            <a:schemeClr val="accent1"/>
+          </a:fillRef>
+          <a:effectRef idx="0">
+            <a:schemeClr val="accent1"/>
+          </a:effectRef>
+          <a:fontRef idx="minor">
+            <a:schemeClr val="tx1"/>
+          </a:fontRef>
+        </p:style>
+      </p:cxnSp>
+      <p:sp>
+        <p:nvSpPr>
+          <p:cNvPr id="219" name="Oval 218"/>
+          <p:cNvSpPr/>
+          <p:nvPr/>
+        </p:nvSpPr>
+        <p:spPr>
+          <a:xfrm>
+            <a:off x="7448842" y="10585780"/>
+            <a:ext cx="411892" cy="411892"/>
+          </a:xfrm>
+          <a:prstGeom prst="ellipse">
+            <a:avLst/>
+          </a:prstGeom>
+        </p:spPr>
+        <p:style>
+          <a:lnRef idx="2">
+            <a:schemeClr val="accent1">
+              <a:shade val="50000"/>
+            </a:schemeClr>
+          </a:lnRef>
+          <a:fillRef idx="1">
+            <a:schemeClr val="accent1"/>
+          </a:fillRef>
+          <a:effectRef idx="0">
+            <a:schemeClr val="accent1"/>
+          </a:effectRef>
+          <a:fontRef idx="minor">
+            <a:schemeClr val="lt1"/>
+          </a:fontRef>
+        </p:style>
+        <p:txBody>
+          <a:bodyPr rtlCol="1" anchor="ctr"/>
+          <a:lstStyle/>
+          <a:p>
+            <a:pPr algn="ctr"/>
+            <a:endParaRPr lang="he-IL"/>
+          </a:p>
+        </p:txBody>
+      </p:sp>
+      <p:cxnSp>
+        <p:nvCxnSpPr>
+          <p:cNvPr id="220" name="Straight Connector 219"/>
+          <p:cNvCxnSpPr>
+            <a:stCxn id="214" idx="0"/>
+            <a:endCxn id="221" idx="0"/>
+          </p:cNvCxnSpPr>
+          <p:nvPr/>
+        </p:nvCxnSpPr>
+        <p:spPr>
+          <a:xfrm>
+            <a:off x="8541377" y="9748737"/>
+            <a:ext cx="752218" cy="853560"/>
+          </a:xfrm>
+          <a:prstGeom prst="line">
+            <a:avLst/>
+          </a:prstGeom>
+          <a:ln w="28575">
+            <a:solidFill>
+              <a:srgbClr val="FFC000"/>
+            </a:solidFill>
+          </a:ln>
+        </p:spPr>
+        <p:style>
+          <a:lnRef idx="1">
+            <a:schemeClr val="accent1"/>
+          </a:lnRef>
+          <a:fillRef idx="0">
+            <a:schemeClr val="accent1"/>
+          </a:fillRef>
+          <a:effectRef idx="0">
+            <a:schemeClr val="accent1"/>
+          </a:effectRef>
+          <a:fontRef idx="minor">
+            <a:schemeClr val="tx1"/>
+          </a:fontRef>
+        </p:style>
+      </p:cxnSp>
+      <p:sp>
+        <p:nvSpPr>
+          <p:cNvPr id="221" name="Oval 220"/>
+          <p:cNvSpPr/>
+          <p:nvPr/>
+        </p:nvSpPr>
+        <p:spPr>
+          <a:xfrm>
+            <a:off x="9087649" y="10602297"/>
+            <a:ext cx="411892" cy="411892"/>
+          </a:xfrm>
+          <a:prstGeom prst="ellipse">
+            <a:avLst/>
+          </a:prstGeom>
+        </p:spPr>
+        <p:style>
+          <a:lnRef idx="2">
+            <a:schemeClr val="accent1">
+              <a:shade val="50000"/>
+            </a:schemeClr>
+          </a:lnRef>
+          <a:fillRef idx="1">
+            <a:schemeClr val="accent1"/>
+          </a:fillRef>
+          <a:effectRef idx="0">
+            <a:schemeClr val="accent1"/>
+          </a:effectRef>
+          <a:fontRef idx="minor">
+            <a:schemeClr val="lt1"/>
+          </a:fontRef>
+        </p:style>
+        <p:txBody>
+          <a:bodyPr rtlCol="1" anchor="ctr"/>
+          <a:lstStyle/>
+          <a:p>
+            <a:pPr algn="ctr"/>
+            <a:endParaRPr lang="he-IL"/>
+          </a:p>
+        </p:txBody>
+      </p:sp>
+      <mc:AlternateContent xmlns:mc="http://schemas.openxmlformats.org/markup-compatibility/2006">
+        <mc:Choice xmlns:a14="http://schemas.microsoft.com/office/drawing/2010/main" Requires="a14">
+          <p:sp>
+            <p:nvSpPr>
+              <p:cNvPr id="222" name="TextBox 221"/>
+              <p:cNvSpPr txBox="1"/>
+              <p:nvPr/>
+            </p:nvSpPr>
+            <p:spPr>
+              <a:xfrm>
+                <a:off x="9077772" y="9918305"/>
+                <a:ext cx="223138" cy="410369"/>
+              </a:xfrm>
+              <a:prstGeom prst="rect">
+                <a:avLst/>
+              </a:prstGeom>
+              <a:noFill/>
+            </p:spPr>
+            <p:txBody>
+              <a:bodyPr wrap="none" rtlCol="1">
+                <a:spAutoFit/>
+              </a:bodyPr>
+              <a:lstStyle/>
+              <a:p>
+                <a14:m>
+                  <m:oMathPara xmlns:m="http://schemas.openxmlformats.org/officeDocument/2006/math">
+                    <m:oMathParaPr>
+                      <m:jc m:val="centerGroup"/>
+                    </m:oMathParaPr>
+                    <m:oMath xmlns:m="http://schemas.openxmlformats.org/officeDocument/2006/math">
+                      <m:f>
+                        <m:fPr>
+                          <m:ctrlPr>
+                            <a:rPr lang="en-US" sz="1100" i="1" dirty="0" smtClean="0">
+                              <a:latin typeface="Cambria Math" panose="02040503050406030204" pitchFamily="18" charset="0"/>
+                            </a:rPr>
+                          </m:ctrlPr>
+                        </m:fPr>
+                        <m:num>
+                          <m:r>
+                            <a:rPr lang="en-US" sz="1100" i="1" dirty="0" smtClean="0">
+                              <a:latin typeface="Cambria Math" panose="02040503050406030204" pitchFamily="18" charset="0"/>
+                            </a:rPr>
+                            <m:t>1</m:t>
+                          </m:r>
+                        </m:num>
+                        <m:den>
+                          <m:r>
+                            <a:rPr lang="en-US" sz="1100" i="1" dirty="0" smtClean="0">
+                              <a:latin typeface="Cambria Math" panose="02040503050406030204" pitchFamily="18" charset="0"/>
+                            </a:rPr>
+                            <m:t>8</m:t>
+                          </m:r>
+                        </m:den>
+                      </m:f>
+                    </m:oMath>
+                  </m:oMathPara>
+                </a14:m>
+                <a:endParaRPr lang="he-IL" sz="1100" dirty="0"/>
+              </a:p>
+            </p:txBody>
+          </p:sp>
+        </mc:Choice>
+        <mc:Fallback>
+          <p:sp>
+            <p:nvSpPr>
+              <p:cNvPr id="222" name="TextBox 221"/>
+              <p:cNvSpPr txBox="1">
+                <a:spLocks noRot="1" noChangeAspect="1" noMove="1" noResize="1" noEditPoints="1" noAdjustHandles="1" noChangeArrowheads="1" noChangeShapeType="1" noTextEdit="1"/>
+              </p:cNvSpPr>
+              <p:nvPr/>
+            </p:nvSpPr>
+            <p:spPr>
+              <a:xfrm>
+                <a:off x="9077772" y="9918305"/>
+                <a:ext cx="223138" cy="410369"/>
+              </a:xfrm>
+              <a:prstGeom prst="rect">
+                <a:avLst/>
+              </a:prstGeom>
+              <a:blipFill rotWithShape="0">
+                <a:blip r:embed="rId5"/>
+                <a:stretch>
+                  <a:fillRect/>
+                </a:stretch>
+              </a:blipFill>
+            </p:spPr>
+            <p:txBody>
+              <a:bodyPr/>
+              <a:lstStyle/>
+              <a:p>
+                <a:r>
+                  <a:rPr lang="he-IL">
+                    <a:noFill/>
+                  </a:rPr>
+                  <a:t> </a:t>
+                </a:r>
+              </a:p>
+            </p:txBody>
+          </p:sp>
+        </mc:Fallback>
+      </mc:AlternateContent>
+      <p:sp>
+        <p:nvSpPr>
+          <p:cNvPr id="223" name="TextBox 222"/>
+          <p:cNvSpPr txBox="1"/>
+          <p:nvPr/>
+        </p:nvSpPr>
+        <p:spPr>
+          <a:xfrm>
+            <a:off x="8697607" y="9251159"/>
+            <a:ext cx="780085" cy="400110"/>
+          </a:xfrm>
+          <a:prstGeom prst="rect">
+            <a:avLst/>
+          </a:prstGeom>
+          <a:noFill/>
+        </p:spPr>
+        <p:txBody>
+          <a:bodyPr wrap="none" rtlCol="1">
+            <a:spAutoFit/>
+          </a:bodyPr>
+          <a:lstStyle/>
+          <a:p>
+            <a:r>
+              <a:rPr lang="en-US" sz="2000" b="1" dirty="0" smtClean="0"/>
+              <a:t>PROB</a:t>
+            </a:r>
+            <a:endParaRPr lang="he-IL" sz="2000" b="1" dirty="0"/>
+          </a:p>
+        </p:txBody>
+      </p:sp>
+      <mc:AlternateContent xmlns:mc="http://schemas.openxmlformats.org/markup-compatibility/2006">
+        <mc:Choice xmlns:a14="http://schemas.microsoft.com/office/drawing/2010/main" Requires="a14">
+          <p:sp>
+            <p:nvSpPr>
+              <p:cNvPr id="224" name="TextBox 223"/>
+              <p:cNvSpPr txBox="1"/>
+              <p:nvPr/>
+            </p:nvSpPr>
+            <p:spPr>
+              <a:xfrm>
+                <a:off x="7596904" y="9928671"/>
+                <a:ext cx="223138" cy="410369"/>
+              </a:xfrm>
+              <a:prstGeom prst="rect">
+                <a:avLst/>
+              </a:prstGeom>
+              <a:noFill/>
+            </p:spPr>
+            <p:txBody>
+              <a:bodyPr wrap="none" rtlCol="1">
+                <a:spAutoFit/>
+              </a:bodyPr>
+              <a:lstStyle/>
+              <a:p>
+                <a14:m>
+                  <m:oMathPara xmlns:m="http://schemas.openxmlformats.org/officeDocument/2006/math">
+                    <m:oMathParaPr>
+                      <m:jc m:val="centerGroup"/>
+                    </m:oMathParaPr>
+                    <m:oMath xmlns:m="http://schemas.openxmlformats.org/officeDocument/2006/math">
+                      <m:f>
+                        <m:fPr>
+                          <m:ctrlPr>
+                            <a:rPr lang="en-US" sz="1100" i="1" dirty="0" smtClean="0">
+                              <a:latin typeface="Cambria Math" panose="02040503050406030204" pitchFamily="18" charset="0"/>
+                            </a:rPr>
+                          </m:ctrlPr>
+                        </m:fPr>
+                        <m:num>
+                          <m:r>
+                            <a:rPr lang="en-US" sz="1100" i="1" dirty="0" smtClean="0">
+                              <a:latin typeface="Cambria Math" panose="02040503050406030204" pitchFamily="18" charset="0"/>
+                            </a:rPr>
+                            <m:t>1</m:t>
+                          </m:r>
+                        </m:num>
+                        <m:den>
+                          <m:r>
+                            <a:rPr lang="en-US" sz="1100" i="1" dirty="0" smtClean="0">
+                              <a:latin typeface="Cambria Math" panose="02040503050406030204" pitchFamily="18" charset="0"/>
+                            </a:rPr>
+                            <m:t>8</m:t>
+                          </m:r>
+                        </m:den>
+                      </m:f>
+                    </m:oMath>
+                  </m:oMathPara>
+                </a14:m>
+                <a:endParaRPr lang="he-IL" sz="1100" dirty="0"/>
+              </a:p>
+            </p:txBody>
+          </p:sp>
+        </mc:Choice>
+        <mc:Fallback>
+          <p:sp>
+            <p:nvSpPr>
+              <p:cNvPr id="224" name="TextBox 223"/>
+              <p:cNvSpPr txBox="1">
+                <a:spLocks noRot="1" noChangeAspect="1" noMove="1" noResize="1" noEditPoints="1" noAdjustHandles="1" noChangeArrowheads="1" noChangeShapeType="1" noTextEdit="1"/>
+              </p:cNvSpPr>
+              <p:nvPr/>
+            </p:nvSpPr>
+            <p:spPr>
+              <a:xfrm>
+                <a:off x="7596904" y="9928671"/>
+                <a:ext cx="223138" cy="410369"/>
+              </a:xfrm>
+              <a:prstGeom prst="rect">
+                <a:avLst/>
+              </a:prstGeom>
+              <a:blipFill rotWithShape="0">
+                <a:blip r:embed="rId3"/>
+                <a:stretch>
+                  <a:fillRect/>
+                </a:stretch>
+              </a:blipFill>
+            </p:spPr>
+            <p:txBody>
+              <a:bodyPr/>
+              <a:lstStyle/>
+              <a:p>
+                <a:r>
+                  <a:rPr lang="he-IL">
+                    <a:noFill/>
+                  </a:rPr>
+                  <a:t> </a:t>
+                </a:r>
+              </a:p>
+            </p:txBody>
+          </p:sp>
+        </mc:Fallback>
+      </mc:AlternateContent>
+      <p:sp>
+        <p:nvSpPr>
+          <p:cNvPr id="225" name="Oval 224"/>
+          <p:cNvSpPr/>
+          <p:nvPr/>
+        </p:nvSpPr>
+        <p:spPr>
+          <a:xfrm>
+            <a:off x="8090391" y="10727486"/>
+            <a:ext cx="134224" cy="134224"/>
+          </a:xfrm>
+          <a:prstGeom prst="ellipse">
+            <a:avLst/>
+          </a:prstGeom>
+          <a:solidFill>
+            <a:schemeClr val="tx1"/>
+          </a:solidFill>
+          <a:ln>
+            <a:solidFill>
+              <a:schemeClr val="tx1"/>
+            </a:solidFill>
+          </a:ln>
+        </p:spPr>
+        <p:style>
+          <a:lnRef idx="2">
+            <a:schemeClr val="accent1">
+              <a:shade val="50000"/>
+            </a:schemeClr>
+          </a:lnRef>
+          <a:fillRef idx="1">
+            <a:schemeClr val="accent1"/>
+          </a:fillRef>
+          <a:effectRef idx="0">
+            <a:schemeClr val="accent1"/>
+          </a:effectRef>
+          <a:fontRef idx="minor">
+            <a:schemeClr val="lt1"/>
+          </a:fontRef>
+        </p:style>
+        <p:txBody>
+          <a:bodyPr rtlCol="1" anchor="ctr"/>
+          <a:lstStyle/>
+          <a:p>
+            <a:pPr algn="ctr"/>
+            <a:endParaRPr lang="he-IL"/>
+          </a:p>
+        </p:txBody>
+      </p:sp>
+      <p:sp>
+        <p:nvSpPr>
+          <p:cNvPr id="226" name="Oval 225"/>
+          <p:cNvSpPr/>
+          <p:nvPr/>
+        </p:nvSpPr>
+        <p:spPr>
+          <a:xfrm>
+            <a:off x="8370239" y="10724614"/>
+            <a:ext cx="134224" cy="134224"/>
+          </a:xfrm>
+          <a:prstGeom prst="ellipse">
+            <a:avLst/>
+          </a:prstGeom>
+          <a:solidFill>
+            <a:schemeClr val="tx1"/>
+          </a:solidFill>
+          <a:ln>
+            <a:solidFill>
+              <a:schemeClr val="tx1"/>
+            </a:solidFill>
+          </a:ln>
+        </p:spPr>
+        <p:style>
+          <a:lnRef idx="2">
+            <a:schemeClr val="accent1">
+              <a:shade val="50000"/>
+            </a:schemeClr>
+          </a:lnRef>
+          <a:fillRef idx="1">
+            <a:schemeClr val="accent1"/>
+          </a:fillRef>
+          <a:effectRef idx="0">
+            <a:schemeClr val="accent1"/>
+          </a:effectRef>
+          <a:fontRef idx="minor">
+            <a:schemeClr val="lt1"/>
+          </a:fontRef>
+        </p:style>
+        <p:txBody>
+          <a:bodyPr rtlCol="1" anchor="ctr"/>
+          <a:lstStyle/>
+          <a:p>
+            <a:pPr algn="ctr"/>
+            <a:endParaRPr lang="he-IL"/>
+          </a:p>
+        </p:txBody>
+      </p:sp>
+      <p:sp>
+        <p:nvSpPr>
+          <p:cNvPr id="227" name="Oval 226"/>
+          <p:cNvSpPr/>
+          <p:nvPr/>
+        </p:nvSpPr>
+        <p:spPr>
+          <a:xfrm>
+            <a:off x="8643565" y="10728809"/>
+            <a:ext cx="134224" cy="134224"/>
+          </a:xfrm>
+          <a:prstGeom prst="ellipse">
+            <a:avLst/>
+          </a:prstGeom>
+          <a:solidFill>
+            <a:schemeClr val="tx1"/>
+          </a:solidFill>
+          <a:ln>
+            <a:solidFill>
+              <a:schemeClr val="tx1"/>
+            </a:solidFill>
+          </a:ln>
+        </p:spPr>
+        <p:style>
+          <a:lnRef idx="2">
+            <a:schemeClr val="accent1">
+              <a:shade val="50000"/>
+            </a:schemeClr>
+          </a:lnRef>
+          <a:fillRef idx="1">
+            <a:schemeClr val="accent1"/>
+          </a:fillRef>
+          <a:effectRef idx="0">
+            <a:schemeClr val="accent1"/>
+          </a:effectRef>
+          <a:fontRef idx="minor">
+            <a:schemeClr val="lt1"/>
+          </a:fontRef>
+        </p:style>
+        <p:txBody>
+          <a:bodyPr rtlCol="1" anchor="ctr"/>
+          <a:lstStyle/>
+          <a:p>
+            <a:pPr algn="ctr"/>
+            <a:endParaRPr lang="he-IL"/>
+          </a:p>
+        </p:txBody>
+      </p:sp>
+      <p:sp>
+        <p:nvSpPr>
+          <p:cNvPr id="228" name="Oval 227"/>
+          <p:cNvSpPr/>
+          <p:nvPr/>
+        </p:nvSpPr>
+        <p:spPr>
+          <a:xfrm>
+            <a:off x="6239618" y="10697883"/>
+            <a:ext cx="134224" cy="134224"/>
+          </a:xfrm>
+          <a:prstGeom prst="ellipse">
+            <a:avLst/>
+          </a:prstGeom>
+          <a:solidFill>
+            <a:schemeClr val="tx1"/>
+          </a:solidFill>
+          <a:ln>
+            <a:solidFill>
+              <a:schemeClr val="tx1"/>
+            </a:solidFill>
+          </a:ln>
+        </p:spPr>
+        <p:style>
+          <a:lnRef idx="2">
+            <a:schemeClr val="accent1">
+              <a:shade val="50000"/>
+            </a:schemeClr>
+          </a:lnRef>
+          <a:fillRef idx="1">
+            <a:schemeClr val="accent1"/>
+          </a:fillRef>
+          <a:effectRef idx="0">
+            <a:schemeClr val="accent1"/>
+          </a:effectRef>
+          <a:fontRef idx="minor">
+            <a:schemeClr val="lt1"/>
+          </a:fontRef>
+        </p:style>
+        <p:txBody>
+          <a:bodyPr rtlCol="1" anchor="ctr"/>
+          <a:lstStyle/>
+          <a:p>
+            <a:pPr algn="ctr"/>
+            <a:endParaRPr lang="he-IL"/>
+          </a:p>
+        </p:txBody>
+      </p:sp>
+      <p:sp>
+        <p:nvSpPr>
+          <p:cNvPr id="229" name="Oval 228"/>
+          <p:cNvSpPr/>
+          <p:nvPr/>
+        </p:nvSpPr>
+        <p:spPr>
+          <a:xfrm>
+            <a:off x="6519466" y="10695011"/>
+            <a:ext cx="134224" cy="134224"/>
+          </a:xfrm>
+          <a:prstGeom prst="ellipse">
+            <a:avLst/>
+          </a:prstGeom>
+          <a:solidFill>
+            <a:schemeClr val="tx1"/>
+          </a:solidFill>
+          <a:ln>
+            <a:solidFill>
+              <a:schemeClr val="tx1"/>
+            </a:solidFill>
+          </a:ln>
+        </p:spPr>
+        <p:style>
+          <a:lnRef idx="2">
+            <a:schemeClr val="accent1">
+              <a:shade val="50000"/>
+            </a:schemeClr>
+          </a:lnRef>
+          <a:fillRef idx="1">
+            <a:schemeClr val="accent1"/>
+          </a:fillRef>
+          <a:effectRef idx="0">
+            <a:schemeClr val="accent1"/>
+          </a:effectRef>
+          <a:fontRef idx="minor">
+            <a:schemeClr val="lt1"/>
+          </a:fontRef>
+        </p:style>
+        <p:txBody>
+          <a:bodyPr rtlCol="1" anchor="ctr"/>
+          <a:lstStyle/>
+          <a:p>
+            <a:pPr algn="ctr"/>
+            <a:endParaRPr lang="he-IL"/>
+          </a:p>
+        </p:txBody>
+      </p:sp>
+      <p:sp>
+        <p:nvSpPr>
+          <p:cNvPr id="230" name="Oval 229"/>
+          <p:cNvSpPr/>
+          <p:nvPr/>
+        </p:nvSpPr>
+        <p:spPr>
+          <a:xfrm>
+            <a:off x="6792792" y="10699206"/>
+            <a:ext cx="134224" cy="134224"/>
+          </a:xfrm>
+          <a:prstGeom prst="ellipse">
+            <a:avLst/>
+          </a:prstGeom>
+          <a:solidFill>
+            <a:schemeClr val="tx1"/>
+          </a:solidFill>
+          <a:ln>
+            <a:solidFill>
+              <a:schemeClr val="tx1"/>
+            </a:solidFill>
+          </a:ln>
+        </p:spPr>
+        <p:style>
+          <a:lnRef idx="2">
+            <a:schemeClr val="accent1">
+              <a:shade val="50000"/>
+            </a:schemeClr>
+          </a:lnRef>
+          <a:fillRef idx="1">
+            <a:schemeClr val="accent1"/>
+          </a:fillRef>
+          <a:effectRef idx="0">
+            <a:schemeClr val="accent1"/>
+          </a:effectRef>
+          <a:fontRef idx="minor">
+            <a:schemeClr val="lt1"/>
+          </a:fontRef>
+        </p:style>
+        <p:txBody>
+          <a:bodyPr rtlCol="1" anchor="ctr"/>
+          <a:lstStyle/>
+          <a:p>
+            <a:pPr algn="ctr"/>
+            <a:endParaRPr lang="he-IL"/>
+          </a:p>
+        </p:txBody>
+      </p:sp>
+      <p:sp>
+        <p:nvSpPr>
+          <p:cNvPr id="231" name="TextBox 230"/>
+          <p:cNvSpPr txBox="1"/>
+          <p:nvPr/>
+        </p:nvSpPr>
+        <p:spPr>
+          <a:xfrm>
+            <a:off x="188971" y="10658783"/>
+            <a:ext cx="705642" cy="400110"/>
+          </a:xfrm>
+          <a:prstGeom prst="rect">
+            <a:avLst/>
+          </a:prstGeom>
+          <a:noFill/>
+        </p:spPr>
+        <p:txBody>
+          <a:bodyPr wrap="none" rtlCol="1">
+            <a:spAutoFit/>
+          </a:bodyPr>
+          <a:lstStyle/>
+          <a:p>
+            <a:r>
+              <a:rPr lang="en-US" sz="2000" b="1" dirty="0" smtClean="0"/>
+              <a:t>MAX</a:t>
+            </a:r>
+            <a:endParaRPr lang="he-IL" sz="2000" b="1" dirty="0"/>
+          </a:p>
+        </p:txBody>
+      </p:sp>
+      <p:sp>
+        <p:nvSpPr>
+          <p:cNvPr id="232" name="Rounded Rectangle 231"/>
+          <p:cNvSpPr/>
+          <p:nvPr/>
+        </p:nvSpPr>
+        <p:spPr>
+          <a:xfrm>
+            <a:off x="1238823" y="4109159"/>
+            <a:ext cx="9099920" cy="2178523"/>
+          </a:xfrm>
+          <a:prstGeom prst="roundRect">
+            <a:avLst/>
+          </a:prstGeom>
+          <a:noFill/>
+          <a:ln w="38100">
+            <a:solidFill>
+              <a:schemeClr val="accent6"/>
+            </a:solidFill>
+            <a:prstDash val="dashDot"/>
+          </a:ln>
+        </p:spPr>
+        <p:style>
+          <a:lnRef idx="2">
+            <a:schemeClr val="accent1">
+              <a:shade val="50000"/>
+            </a:schemeClr>
+          </a:lnRef>
+          <a:fillRef idx="1">
+            <a:schemeClr val="accent1"/>
+          </a:fillRef>
+          <a:effectRef idx="0">
+            <a:schemeClr val="accent1"/>
+          </a:effectRef>
+          <a:fontRef idx="minor">
+            <a:schemeClr val="lt1"/>
+          </a:fontRef>
+        </p:style>
+        <p:txBody>
+          <a:bodyPr rtlCol="1" anchor="ctr"/>
+          <a:lstStyle/>
+          <a:p>
+            <a:pPr algn="ctr"/>
+            <a:endParaRPr lang="he-IL"/>
+          </a:p>
+        </p:txBody>
+      </p:sp>
+      <p:sp>
+        <p:nvSpPr>
+          <p:cNvPr id="233" name="Rounded Rectangle 232"/>
+          <p:cNvSpPr/>
+          <p:nvPr/>
+        </p:nvSpPr>
+        <p:spPr>
+          <a:xfrm>
+            <a:off x="1208141" y="1169654"/>
+            <a:ext cx="9099920" cy="1949929"/>
+          </a:xfrm>
+          <a:prstGeom prst="roundRect">
+            <a:avLst/>
+          </a:prstGeom>
+          <a:noFill/>
+          <a:ln w="38100">
+            <a:solidFill>
+              <a:srgbClr val="FF0000"/>
+            </a:solidFill>
+            <a:prstDash val="dashDot"/>
+          </a:ln>
+        </p:spPr>
+        <p:style>
+          <a:lnRef idx="2">
+            <a:schemeClr val="accent1">
+              <a:shade val="50000"/>
+            </a:schemeClr>
+          </a:lnRef>
+          <a:fillRef idx="1">
+            <a:schemeClr val="accent1"/>
+          </a:fillRef>
+          <a:effectRef idx="0">
+            <a:schemeClr val="accent1"/>
+          </a:effectRef>
+          <a:fontRef idx="minor">
+            <a:schemeClr val="lt1"/>
+          </a:fontRef>
+        </p:style>
+        <p:txBody>
+          <a:bodyPr rtlCol="1" anchor="ctr"/>
+          <a:lstStyle/>
+          <a:p>
+            <a:pPr algn="ctr"/>
+            <a:endParaRPr lang="he-IL"/>
+          </a:p>
+        </p:txBody>
+      </p:sp>
+      <p:sp>
+        <p:nvSpPr>
+          <p:cNvPr id="234" name="Rounded Rectangle 233"/>
+          <p:cNvSpPr/>
+          <p:nvPr/>
+        </p:nvSpPr>
+        <p:spPr>
+          <a:xfrm>
+            <a:off x="1208141" y="6713088"/>
+            <a:ext cx="9099920" cy="1949929"/>
+          </a:xfrm>
+          <a:prstGeom prst="roundRect">
+            <a:avLst/>
+          </a:prstGeom>
+          <a:noFill/>
+          <a:ln w="38100">
+            <a:solidFill>
+              <a:srgbClr val="FF0000"/>
+            </a:solidFill>
+            <a:prstDash val="dashDot"/>
+          </a:ln>
+        </p:spPr>
+        <p:style>
+          <a:lnRef idx="2">
+            <a:schemeClr val="accent1">
+              <a:shade val="50000"/>
+            </a:schemeClr>
+          </a:lnRef>
+          <a:fillRef idx="1">
+            <a:schemeClr val="accent1"/>
+          </a:fillRef>
+          <a:effectRef idx="0">
+            <a:schemeClr val="accent1"/>
+          </a:effectRef>
+          <a:fontRef idx="minor">
+            <a:schemeClr val="lt1"/>
+          </a:fontRef>
+        </p:style>
+        <p:txBody>
+          <a:bodyPr rtlCol="1" anchor="ctr"/>
+          <a:lstStyle/>
+          <a:p>
+            <a:pPr algn="ctr"/>
+            <a:endParaRPr lang="he-IL"/>
+          </a:p>
+        </p:txBody>
+      </p:sp>
+      <p:sp>
+        <p:nvSpPr>
+          <p:cNvPr id="235" name="TextBox 234"/>
+          <p:cNvSpPr txBox="1"/>
+          <p:nvPr/>
+        </p:nvSpPr>
+        <p:spPr>
+          <a:xfrm>
+            <a:off x="335923" y="8073697"/>
+            <a:ext cx="646331" cy="400110"/>
+          </a:xfrm>
+          <a:prstGeom prst="rect">
+            <a:avLst/>
+          </a:prstGeom>
+          <a:noFill/>
+        </p:spPr>
+        <p:txBody>
+          <a:bodyPr wrap="none" rtlCol="1">
+            <a:spAutoFit/>
+          </a:bodyPr>
+          <a:lstStyle/>
+          <a:p>
+            <a:r>
+              <a:rPr lang="en-US" sz="2000" b="1" dirty="0" smtClean="0"/>
+              <a:t>MIN</a:t>
+            </a:r>
+            <a:endParaRPr lang="he-IL" sz="2000" b="1" dirty="0"/>
+          </a:p>
+        </p:txBody>
+      </p:sp>
+      <p:sp>
+        <p:nvSpPr>
+          <p:cNvPr id="236" name="Rounded Rectangle 235"/>
+          <p:cNvSpPr/>
+          <p:nvPr/>
+        </p:nvSpPr>
+        <p:spPr>
+          <a:xfrm>
+            <a:off x="1146752" y="9018622"/>
+            <a:ext cx="9099920" cy="2178523"/>
+          </a:xfrm>
+          <a:prstGeom prst="roundRect">
+            <a:avLst/>
+          </a:prstGeom>
+          <a:noFill/>
+          <a:ln w="38100">
+            <a:solidFill>
+              <a:schemeClr val="accent6"/>
+            </a:solidFill>
+            <a:prstDash val="dashDot"/>
+          </a:ln>
+        </p:spPr>
+        <p:style>
+          <a:lnRef idx="2">
+            <a:schemeClr val="accent1">
+              <a:shade val="50000"/>
+            </a:schemeClr>
+          </a:lnRef>
+          <a:fillRef idx="1">
+            <a:schemeClr val="accent1"/>
+          </a:fillRef>
+          <a:effectRef idx="0">
+            <a:schemeClr val="accent1"/>
+          </a:effectRef>
+          <a:fontRef idx="minor">
+            <a:schemeClr val="lt1"/>
+          </a:fontRef>
+        </p:style>
+        <p:txBody>
+          <a:bodyPr rtlCol="1" anchor="ctr"/>
+          <a:lstStyle/>
+          <a:p>
+            <a:pPr algn="ctr"/>
+            <a:endParaRPr lang="he-IL"/>
+          </a:p>
+        </p:txBody>
+      </p:sp>
+    </p:spTree>
+    <p:extLst>
+      <p:ext uri="{BB962C8B-B14F-4D97-AF65-F5344CB8AC3E}">
+        <p14:creationId xmlns:p14="http://schemas.microsoft.com/office/powerpoint/2010/main" val="3354911212"/>
       </p:ext>
     </p:extLst>
   </p:cSld>
